--- a/Гунгер Диплом презентация.pptx
+++ b/Гунгер Диплом презентация.pptx
@@ -12,12 +12,14 @@
     <p:sldId id="261" r:id="rId6"/>
     <p:sldId id="262" r:id="rId7"/>
     <p:sldId id="264" r:id="rId8"/>
-    <p:sldId id="265" r:id="rId9"/>
-    <p:sldId id="266" r:id="rId10"/>
-    <p:sldId id="267" r:id="rId11"/>
-    <p:sldId id="268" r:id="rId12"/>
-    <p:sldId id="258" r:id="rId13"/>
-    <p:sldId id="259" r:id="rId14"/>
+    <p:sldId id="269" r:id="rId9"/>
+    <p:sldId id="265" r:id="rId10"/>
+    <p:sldId id="270" r:id="rId11"/>
+    <p:sldId id="266" r:id="rId12"/>
+    <p:sldId id="267" r:id="rId13"/>
+    <p:sldId id="268" r:id="rId14"/>
+    <p:sldId id="258" r:id="rId15"/>
+    <p:sldId id="259" r:id="rId16"/>
   </p:sldIdLst>
   <p:sldSz cx="12192000" cy="6858000"/>
   <p:notesSz cx="6858000" cy="9144000"/>
@@ -263,7 +265,7 @@
           <a:p>
             <a:fld id="{CF3D5562-7FFD-4BB5-9509-D81E0856D57A}" type="datetimeFigureOut">
               <a:rPr lang="ru-RU" smtClean="0"/>
-              <a:t>03.04.2021</a:t>
+              <a:t>06.06.2021</a:t>
             </a:fld>
             <a:endParaRPr lang="ru-RU"/>
           </a:p>
@@ -443,7 +445,7 @@
           <a:p>
             <a:fld id="{CF3D5562-7FFD-4BB5-9509-D81E0856D57A}" type="datetimeFigureOut">
               <a:rPr lang="ru-RU" smtClean="0"/>
-              <a:t>03.04.2021</a:t>
+              <a:t>06.06.2021</a:t>
             </a:fld>
             <a:endParaRPr lang="ru-RU"/>
           </a:p>
@@ -627,7 +629,7 @@
           <a:p>
             <a:fld id="{CF3D5562-7FFD-4BB5-9509-D81E0856D57A}" type="datetimeFigureOut">
               <a:rPr lang="ru-RU" smtClean="0"/>
-              <a:t>03.04.2021</a:t>
+              <a:t>06.06.2021</a:t>
             </a:fld>
             <a:endParaRPr lang="ru-RU"/>
           </a:p>
@@ -797,7 +799,7 @@
           <a:p>
             <a:fld id="{CF3D5562-7FFD-4BB5-9509-D81E0856D57A}" type="datetimeFigureOut">
               <a:rPr lang="ru-RU" smtClean="0"/>
-              <a:t>03.04.2021</a:t>
+              <a:t>06.06.2021</a:t>
             </a:fld>
             <a:endParaRPr lang="ru-RU"/>
           </a:p>
@@ -1045,7 +1047,7 @@
           <a:p>
             <a:fld id="{CF3D5562-7FFD-4BB5-9509-D81E0856D57A}" type="datetimeFigureOut">
               <a:rPr lang="ru-RU" smtClean="0"/>
-              <a:t>03.04.2021</a:t>
+              <a:t>06.06.2021</a:t>
             </a:fld>
             <a:endParaRPr lang="ru-RU"/>
           </a:p>
@@ -1282,7 +1284,7 @@
           <a:p>
             <a:fld id="{CF3D5562-7FFD-4BB5-9509-D81E0856D57A}" type="datetimeFigureOut">
               <a:rPr lang="ru-RU" smtClean="0"/>
-              <a:t>03.04.2021</a:t>
+              <a:t>06.06.2021</a:t>
             </a:fld>
             <a:endParaRPr lang="ru-RU"/>
           </a:p>
@@ -1672,7 +1674,7 @@
           <a:p>
             <a:fld id="{CF3D5562-7FFD-4BB5-9509-D81E0856D57A}" type="datetimeFigureOut">
               <a:rPr lang="ru-RU" smtClean="0"/>
-              <a:t>03.04.2021</a:t>
+              <a:t>06.06.2021</a:t>
             </a:fld>
             <a:endParaRPr lang="ru-RU"/>
           </a:p>
@@ -1795,7 +1797,7 @@
           <a:p>
             <a:fld id="{CF3D5562-7FFD-4BB5-9509-D81E0856D57A}" type="datetimeFigureOut">
               <a:rPr lang="ru-RU" smtClean="0"/>
-              <a:t>03.04.2021</a:t>
+              <a:t>06.06.2021</a:t>
             </a:fld>
             <a:endParaRPr lang="ru-RU"/>
           </a:p>
@@ -1890,7 +1892,7 @@
           <a:p>
             <a:fld id="{CF3D5562-7FFD-4BB5-9509-D81E0856D57A}" type="datetimeFigureOut">
               <a:rPr lang="ru-RU" smtClean="0"/>
-              <a:t>03.04.2021</a:t>
+              <a:t>06.06.2021</a:t>
             </a:fld>
             <a:endParaRPr lang="ru-RU"/>
           </a:p>
@@ -2141,7 +2143,7 @@
           <a:p>
             <a:fld id="{CF3D5562-7FFD-4BB5-9509-D81E0856D57A}" type="datetimeFigureOut">
               <a:rPr lang="ru-RU" smtClean="0"/>
-              <a:t>03.04.2021</a:t>
+              <a:t>06.06.2021</a:t>
             </a:fld>
             <a:endParaRPr lang="ru-RU"/>
           </a:p>
@@ -2537,7 +2539,7 @@
           <a:p>
             <a:fld id="{CF3D5562-7FFD-4BB5-9509-D81E0856D57A}" type="datetimeFigureOut">
               <a:rPr lang="ru-RU" smtClean="0"/>
-              <a:t>03.04.2021</a:t>
+              <a:t>06.06.2021</a:t>
             </a:fld>
             <a:endParaRPr lang="ru-RU"/>
           </a:p>
@@ -2754,7 +2756,7 @@
           <a:p>
             <a:fld id="{CF3D5562-7FFD-4BB5-9509-D81E0856D57A}" type="datetimeFigureOut">
               <a:rPr lang="ru-RU" smtClean="0"/>
-              <a:t>03.04.2021</a:t>
+              <a:t>06.06.2021</a:t>
             </a:fld>
             <a:endParaRPr lang="ru-RU"/>
           </a:p>
@@ -3368,21 +3370,24 @@
         <p:spPr>
           <a:xfrm>
             <a:off x="148715" y="5710727"/>
-            <a:ext cx="6400800" cy="427571"/>
+            <a:ext cx="6469255" cy="427571"/>
           </a:xfrm>
         </p:spPr>
         <p:txBody>
           <a:bodyPr>
-            <a:normAutofit fontScale="85000" lnSpcReduction="20000"/>
+            <a:noAutofit/>
           </a:bodyPr>
           <a:lstStyle/>
           <a:p>
             <a:pPr algn="l"/>
             <a:r>
-              <a:rPr lang="ru-RU" sz="1800" dirty="0" smtClean="0"/>
-              <a:t>Программирование компьютерных систем и сетей</a:t>
-            </a:r>
-            <a:endParaRPr lang="ru-RU" sz="1800" dirty="0"/>
+              <a:rPr lang="ru-RU" sz="1400" dirty="0" smtClean="0"/>
+              <a:t>Направление: 09.03.01 </a:t>
+            </a:r>
+            <a:r>
+              <a:rPr lang="ru-RU" sz="1400" dirty="0"/>
+              <a:t>Информатика и вычислительная техника</a:t>
+            </a:r>
           </a:p>
         </p:txBody>
       </p:sp>
@@ -3518,7 +3523,7 @@
         </p:nvSpPr>
         <p:spPr>
           <a:xfrm>
-            <a:off x="8939619" y="5024927"/>
+            <a:off x="8598719" y="5142713"/>
             <a:ext cx="3433712" cy="995585"/>
           </a:xfrm>
           <a:prstGeom prst="rect">
@@ -3608,22 +3613,37 @@
           </a:lstStyle>
           <a:p>
             <a:r>
-              <a:rPr lang="ru-RU" sz="2800" dirty="0" smtClean="0"/>
+              <a:rPr lang="ru-RU" sz="1600" dirty="0" smtClean="0"/>
+              <a:t>руководитель </a:t>
+            </a:r>
+            <a:r>
+              <a:rPr lang="ru-RU" sz="1600" dirty="0"/>
+              <a:t>ВКР, ст. преп. каф. </a:t>
+            </a:r>
+            <a:r>
+              <a:rPr lang="ru-RU" sz="1600" dirty="0" smtClean="0"/>
+              <a:t>ВТ </a:t>
+            </a:r>
+            <a:r>
+              <a:rPr lang="ru-RU" sz="1600" dirty="0"/>
               <a:t>Новицкая </a:t>
             </a:r>
             <a:r>
-              <a:rPr lang="ru-RU" sz="2800" dirty="0" err="1" smtClean="0"/>
+              <a:rPr lang="ru-RU" sz="1600" dirty="0" err="1"/>
               <a:t>юлия</a:t>
             </a:r>
             <a:r>
-              <a:rPr lang="ru-RU" sz="2800" dirty="0" smtClean="0"/>
+              <a:rPr lang="ru-RU" sz="1600" dirty="0"/>
               <a:t> </a:t>
             </a:r>
             <a:r>
-              <a:rPr lang="ru-RU" sz="2800" dirty="0" err="1" smtClean="0"/>
+              <a:rPr lang="ru-RU" sz="1600" dirty="0" err="1"/>
               <a:t>вадимовна</a:t>
             </a:r>
-            <a:endParaRPr lang="ru-RU" sz="2800" dirty="0"/>
+            <a:r>
+              <a:rPr lang="ru-RU" sz="1600" dirty="0"/>
+              <a:t> </a:t>
+            </a:r>
           </a:p>
         </p:txBody>
       </p:sp>
@@ -3669,8 +3689,8 @@
         </p:nvSpPr>
         <p:spPr>
           <a:xfrm>
-            <a:off x="684212" y="346445"/>
-            <a:ext cx="4735513" cy="815606"/>
+            <a:off x="684213" y="439207"/>
+            <a:ext cx="4554538" cy="624687"/>
           </a:xfrm>
         </p:spPr>
         <p:txBody>
@@ -3678,8 +3698,8 @@
           <a:lstStyle/>
           <a:p>
             <a:r>
-              <a:rPr lang="ru-RU" dirty="0" smtClean="0"/>
-              <a:t>Тестирование</a:t>
+              <a:rPr lang="en-US" dirty="0"/>
+              <a:t>Add</a:t>
             </a:r>
             <a:endParaRPr lang="ru-RU" dirty="0"/>
           </a:p>
@@ -3697,108 +3717,19 @@
         </p:nvSpPr>
         <p:spPr>
           <a:xfrm>
-            <a:off x="684212" y="1228725"/>
-            <a:ext cx="4511631" cy="3562350"/>
+            <a:off x="684213" y="1162050"/>
+            <a:ext cx="4687888" cy="4142574"/>
           </a:xfrm>
         </p:spPr>
         <p:txBody>
           <a:bodyPr>
-            <a:normAutofit fontScale="92500" lnSpcReduction="10000"/>
+            <a:normAutofit/>
           </a:bodyPr>
           <a:lstStyle/>
           <a:p>
-            <a:pPr lvl="0"/>
-            <a:r>
-              <a:rPr lang="ru-RU" dirty="0"/>
-              <a:t>Запись пользователя</a:t>
-            </a:r>
-            <a:r>
-              <a:rPr lang="en-US" dirty="0"/>
-              <a:t>;</a:t>
-            </a:r>
-            <a:endParaRPr lang="ru-RU" dirty="0"/>
-          </a:p>
-          <a:p>
-            <a:pPr lvl="0"/>
-            <a:r>
-              <a:rPr lang="ru-RU" dirty="0"/>
-              <a:t>Запись информации о заявке</a:t>
-            </a:r>
-            <a:r>
-              <a:rPr lang="en-US" dirty="0"/>
-              <a:t>;</a:t>
-            </a:r>
-            <a:endParaRPr lang="ru-RU" dirty="0"/>
-          </a:p>
-          <a:p>
-            <a:pPr lvl="0"/>
-            <a:r>
-              <a:rPr lang="ru-RU" dirty="0"/>
-              <a:t>Запись информации о заказе</a:t>
-            </a:r>
-            <a:r>
-              <a:rPr lang="en-US" dirty="0"/>
-              <a:t>;</a:t>
-            </a:r>
-            <a:endParaRPr lang="ru-RU" dirty="0"/>
-          </a:p>
-          <a:p>
-            <a:pPr lvl="0"/>
-            <a:r>
-              <a:rPr lang="ru-RU" dirty="0"/>
-              <a:t>Получение данных о пользователях</a:t>
-            </a:r>
-            <a:r>
-              <a:rPr lang="en-US" dirty="0"/>
-              <a:t>;</a:t>
-            </a:r>
-            <a:endParaRPr lang="ru-RU" dirty="0"/>
-          </a:p>
-          <a:p>
-            <a:pPr lvl="0"/>
-            <a:r>
-              <a:rPr lang="ru-RU" dirty="0"/>
-              <a:t>Получение информации о заявках</a:t>
-            </a:r>
-            <a:r>
-              <a:rPr lang="en-US" dirty="0"/>
-              <a:t>;</a:t>
-            </a:r>
-            <a:endParaRPr lang="ru-RU" dirty="0"/>
-          </a:p>
-          <a:p>
-            <a:pPr lvl="0"/>
-            <a:r>
-              <a:rPr lang="ru-RU" dirty="0"/>
-              <a:t>Получение информации о заказах</a:t>
-            </a:r>
-            <a:r>
-              <a:rPr lang="en-US" dirty="0"/>
-              <a:t>;</a:t>
-            </a:r>
-            <a:endParaRPr lang="ru-RU" dirty="0"/>
-          </a:p>
-          <a:p>
-            <a:pPr lvl="0"/>
-            <a:r>
-              <a:rPr lang="ru-RU" dirty="0"/>
-              <a:t>Получение данных по параметрам</a:t>
-            </a:r>
-            <a:r>
-              <a:rPr lang="en-US" dirty="0"/>
-              <a:t>;</a:t>
-            </a:r>
-            <a:endParaRPr lang="ru-RU" dirty="0"/>
-          </a:p>
-          <a:p>
-            <a:pPr lvl="0"/>
-            <a:r>
-              <a:rPr lang="ru-RU" dirty="0"/>
-              <a:t>Запрос статистики</a:t>
-            </a:r>
-            <a:r>
-              <a:rPr lang="en-US" dirty="0"/>
-              <a:t>.</a:t>
+            <a:r>
+              <a:rPr lang="ru-RU" dirty="0" smtClean="0"/>
+              <a:t>В</a:t>
             </a:r>
             <a:endParaRPr lang="ru-RU" dirty="0"/>
           </a:p>
@@ -3806,180 +3737,46 @@
       </p:sp>
       <p:pic>
         <p:nvPicPr>
-          <p:cNvPr id="2050" name="Рисунок 1"/>
-          <p:cNvPicPr>
-            <a:picLocks noChangeAspect="1" noChangeArrowheads="1"/>
-          </p:cNvPicPr>
-          <p:nvPr/>
-        </p:nvPicPr>
-        <p:blipFill rotWithShape="1">
-          <a:blip r:embed="rId2">
-            <a:extLst>
-              <a:ext uri="{28A0092B-C50C-407E-A947-70E740481C1C}">
-                <a14:useLocalDpi xmlns:a14="http://schemas.microsoft.com/office/drawing/2010/main" val="0"/>
-              </a:ext>
-            </a:extLst>
-          </a:blip>
-          <a:srcRect l="58574" t="11011" r="881" b="39497"/>
-          <a:stretch/>
-        </p:blipFill>
-        <p:spPr bwMode="auto">
-          <a:xfrm>
-            <a:off x="5754158" y="346444"/>
-            <a:ext cx="3413101" cy="1969616"/>
-          </a:xfrm>
-          <a:prstGeom prst="rect">
-            <a:avLst/>
-          </a:prstGeom>
-          <a:noFill/>
-          <a:ln>
-            <a:noFill/>
-          </a:ln>
-          <a:extLst>
-            <a:ext uri="{909E8E84-426E-40DD-AFC4-6F175D3DCCD1}">
-              <a14:hiddenFill xmlns:a14="http://schemas.microsoft.com/office/drawing/2010/main">
-                <a:solidFill>
-                  <a:srgbClr val="FFFFFF"/>
-                </a:solidFill>
-              </a14:hiddenFill>
-            </a:ext>
-            <a:ext uri="{91240B29-F687-4F45-9708-019B960494DF}">
-              <a14:hiddenLine xmlns:a14="http://schemas.microsoft.com/office/drawing/2010/main" w="9525">
-                <a:solidFill>
-                  <a:srgbClr val="000000"/>
-                </a:solidFill>
-                <a:miter lim="800000"/>
-                <a:headEnd/>
-                <a:tailEnd/>
-              </a14:hiddenLine>
-            </a:ext>
-          </a:extLst>
-        </p:spPr>
-      </p:pic>
-      <p:pic>
-        <p:nvPicPr>
-          <p:cNvPr id="2051" name="Рисунок 1"/>
-          <p:cNvPicPr>
-            <a:picLocks noChangeAspect="1" noChangeArrowheads="1"/>
-          </p:cNvPicPr>
-          <p:nvPr/>
-        </p:nvPicPr>
-        <p:blipFill rotWithShape="1">
-          <a:blip r:embed="rId3">
-            <a:extLst>
-              <a:ext uri="{28A0092B-C50C-407E-A947-70E740481C1C}">
-                <a14:useLocalDpi xmlns:a14="http://schemas.microsoft.com/office/drawing/2010/main" val="0"/>
-              </a:ext>
-            </a:extLst>
-          </a:blip>
-          <a:srcRect r="24880"/>
-          <a:stretch/>
-        </p:blipFill>
-        <p:spPr bwMode="auto">
-          <a:xfrm>
-            <a:off x="5754158" y="4276724"/>
-            <a:ext cx="5981012" cy="1309982"/>
-          </a:xfrm>
-          <a:prstGeom prst="rect">
-            <a:avLst/>
-          </a:prstGeom>
-          <a:noFill/>
-          <a:ln>
-            <a:noFill/>
-          </a:ln>
-          <a:extLst>
-            <a:ext uri="{909E8E84-426E-40DD-AFC4-6F175D3DCCD1}">
-              <a14:hiddenFill xmlns:a14="http://schemas.microsoft.com/office/drawing/2010/main">
-                <a:solidFill>
-                  <a:srgbClr val="FFFFFF"/>
-                </a:solidFill>
-              </a14:hiddenFill>
-            </a:ext>
-            <a:ext uri="{91240B29-F687-4F45-9708-019B960494DF}">
-              <a14:hiddenLine xmlns:a14="http://schemas.microsoft.com/office/drawing/2010/main" w="9525">
-                <a:solidFill>
-                  <a:srgbClr val="000000"/>
-                </a:solidFill>
-                <a:miter lim="800000"/>
-                <a:headEnd/>
-                <a:tailEnd/>
-              </a14:hiddenLine>
-            </a:ext>
-          </a:extLst>
-        </p:spPr>
-      </p:pic>
-      <p:pic>
-        <p:nvPicPr>
-          <p:cNvPr id="2052" name="Рисунок 1"/>
-          <p:cNvPicPr>
-            <a:picLocks noChangeAspect="1" noChangeArrowheads="1"/>
-          </p:cNvPicPr>
-          <p:nvPr/>
-        </p:nvPicPr>
-        <p:blipFill>
-          <a:blip r:embed="rId4">
-            <a:extLst>
-              <a:ext uri="{28A0092B-C50C-407E-A947-70E740481C1C}">
-                <a14:useLocalDpi xmlns:a14="http://schemas.microsoft.com/office/drawing/2010/main" val="0"/>
-              </a:ext>
-            </a:extLst>
-          </a:blip>
-          <a:srcRect/>
-          <a:stretch>
-            <a:fillRect/>
-          </a:stretch>
-        </p:blipFill>
-        <p:spPr bwMode="auto">
-          <a:xfrm>
-            <a:off x="9210675" y="349175"/>
-            <a:ext cx="2524495" cy="3877867"/>
-          </a:xfrm>
-          <a:prstGeom prst="rect">
-            <a:avLst/>
-          </a:prstGeom>
-          <a:noFill/>
-          <a:ln>
-            <a:noFill/>
-          </a:ln>
-          <a:extLst>
-            <a:ext uri="{909E8E84-426E-40DD-AFC4-6F175D3DCCD1}">
-              <a14:hiddenFill xmlns:a14="http://schemas.microsoft.com/office/drawing/2010/main">
-                <a:solidFill>
-                  <a:srgbClr val="FFFFFF"/>
-                </a:solidFill>
-              </a14:hiddenFill>
-            </a:ext>
-            <a:ext uri="{91240B29-F687-4F45-9708-019B960494DF}">
-              <a14:hiddenLine xmlns:a14="http://schemas.microsoft.com/office/drawing/2010/main" w="9525">
-                <a:solidFill>
-                  <a:srgbClr val="000000"/>
-                </a:solidFill>
-                <a:miter lim="800000"/>
-                <a:headEnd/>
-                <a:tailEnd/>
-              </a14:hiddenLine>
-            </a:ext>
-          </a:extLst>
-        </p:spPr>
-      </p:pic>
-      <p:pic>
-        <p:nvPicPr>
-          <p:cNvPr id="6" name="Рисунок 5"/>
+          <p:cNvPr id="4" name="Рисунок 3"/>
           <p:cNvPicPr>
             <a:picLocks noChangeAspect="1"/>
           </p:cNvPicPr>
           <p:nvPr/>
         </p:nvPicPr>
         <p:blipFill>
-          <a:blip r:embed="rId5"/>
+          <a:blip r:embed="rId2"/>
           <a:stretch>
             <a:fillRect/>
           </a:stretch>
         </p:blipFill>
         <p:spPr>
           <a:xfrm>
-            <a:off x="5754158" y="2365742"/>
-            <a:ext cx="3411116" cy="1861300"/>
+            <a:off x="5372101" y="606694"/>
+            <a:ext cx="5271456" cy="2717531"/>
+          </a:xfrm>
+          <a:prstGeom prst="rect">
+            <a:avLst/>
+          </a:prstGeom>
+        </p:spPr>
+      </p:pic>
+      <p:pic>
+        <p:nvPicPr>
+          <p:cNvPr id="5" name="Рисунок 4"/>
+          <p:cNvPicPr>
+            <a:picLocks noChangeAspect="1"/>
+          </p:cNvPicPr>
+          <p:nvPr/>
+        </p:nvPicPr>
+        <p:blipFill>
+          <a:blip r:embed="rId3"/>
+          <a:stretch>
+            <a:fillRect/>
+          </a:stretch>
+        </p:blipFill>
+        <p:spPr>
+          <a:xfrm>
+            <a:off x="6678512" y="2676897"/>
+            <a:ext cx="5248050" cy="2709741"/>
           </a:xfrm>
           <a:prstGeom prst="rect">
             <a:avLst/>
@@ -3989,7 +3786,7 @@
     </p:spTree>
     <p:extLst>
       <p:ext uri="{BB962C8B-B14F-4D97-AF65-F5344CB8AC3E}">
-        <p14:creationId xmlns:p14="http://schemas.microsoft.com/office/powerpoint/2010/main" val="4158913896"/>
+        <p14:creationId xmlns:p14="http://schemas.microsoft.com/office/powerpoint/2010/main" val="1197161690"/>
       </p:ext>
     </p:extLst>
   </p:cSld>
@@ -4028,8 +3825,8 @@
         </p:nvSpPr>
         <p:spPr>
           <a:xfrm>
-            <a:off x="684212" y="346444"/>
-            <a:ext cx="4735513" cy="665825"/>
+            <a:off x="681351" y="380838"/>
+            <a:ext cx="4735513" cy="657387"/>
           </a:xfrm>
         </p:spPr>
         <p:txBody>
@@ -4037,10 +3834,9 @@
           <a:lstStyle/>
           <a:p>
             <a:r>
-              <a:rPr lang="ru-RU" dirty="0" smtClean="0"/>
-              <a:t>размещение</a:t>
-            </a:r>
-            <a:endParaRPr lang="ru-RU" dirty="0"/>
+              <a:rPr lang="ru-RU" dirty="0"/>
+              <a:t>разработка</a:t>
+            </a:r>
           </a:p>
         </p:txBody>
       </p:sp>
@@ -4056,84 +3852,414 @@
         </p:nvSpPr>
         <p:spPr>
           <a:xfrm>
-            <a:off x="684212" y="1012269"/>
-            <a:ext cx="4511631" cy="4597031"/>
+            <a:off x="684212" y="2286000"/>
+            <a:ext cx="4511631" cy="1323975"/>
           </a:xfrm>
         </p:spPr>
         <p:txBody>
           <a:bodyPr>
-            <a:normAutofit lnSpcReduction="10000"/>
+            <a:normAutofit fontScale="92500" lnSpcReduction="10000"/>
           </a:bodyPr>
           <a:lstStyle/>
           <a:p>
-            <a:r>
-              <a:rPr lang="ru-RU" dirty="0"/>
-              <a:t>В качестве хостинг сервиса был выбран продукт компании «</a:t>
-            </a:r>
-            <a:r>
-              <a:rPr lang="ru-RU" dirty="0" err="1"/>
-              <a:t>Макхост</a:t>
-            </a:r>
-            <a:r>
-              <a:rPr lang="ru-RU" dirty="0"/>
-              <a:t>». Он идеально подходит и удовлетворяет все нужные требования для размещения </a:t>
-            </a:r>
+            <a:pPr lvl="0"/>
             <a:r>
               <a:rPr lang="ru-RU" dirty="0" smtClean="0"/>
-              <a:t>веб-сервиса.</a:t>
+              <a:t>Статистика</a:t>
             </a:r>
             <a:endParaRPr lang="en-US" dirty="0" smtClean="0"/>
           </a:p>
           <a:p>
+            <a:pPr lvl="0"/>
             <a:r>
               <a:rPr lang="ru-RU" dirty="0" smtClean="0"/>
-              <a:t>Доменное имя: </a:t>
-            </a:r>
-            <a:r>
-              <a:rPr lang="en-US" dirty="0" err="1" smtClean="0"/>
-              <a:t>mayak</a:t>
-            </a:r>
-            <a:r>
-              <a:rPr lang="ru-RU" dirty="0"/>
-              <a:t>-</a:t>
-            </a:r>
-            <a:r>
-              <a:rPr lang="en-US" dirty="0" err="1"/>
-              <a:t>avangard</a:t>
-            </a:r>
-            <a:r>
-              <a:rPr lang="ru-RU" dirty="0"/>
-              <a:t>.</a:t>
-            </a:r>
-            <a:r>
-              <a:rPr lang="en-US" dirty="0" err="1"/>
-              <a:t>ru</a:t>
-            </a:r>
+              <a:t>Пользователи</a:t>
+            </a:r>
+            <a:endParaRPr lang="en-US" dirty="0" smtClean="0"/>
+          </a:p>
+          <a:p>
+            <a:pPr lvl="0"/>
             <a:r>
               <a:rPr lang="ru-RU" dirty="0" smtClean="0"/>
-              <a:t>.</a:t>
-            </a:r>
-            <a:endParaRPr lang="en-US" dirty="0" smtClean="0"/>
-          </a:p>
-          <a:p>
-            <a:r>
-              <a:rPr lang="ru-RU" dirty="0"/>
-              <a:t>Для полой работы сайта на хостинге была настроена и заполнена база данных, а также протокол </a:t>
-            </a:r>
+              <a:t>Заказы</a:t>
+            </a:r>
+          </a:p>
+        </p:txBody>
+      </p:sp>
+      <p:sp>
+        <p:nvSpPr>
+          <p:cNvPr id="7" name="Заголовок 1"/>
+          <p:cNvSpPr txBox="1">
+            <a:spLocks/>
+          </p:cNvSpPr>
+          <p:nvPr/>
+        </p:nvSpPr>
+        <p:spPr>
+          <a:xfrm>
+            <a:off x="684212" y="1162050"/>
+            <a:ext cx="4735513" cy="647700"/>
+          </a:xfrm>
+          <a:prstGeom prst="rect">
+            <a:avLst/>
+          </a:prstGeom>
+          <a:effectLst/>
+        </p:spPr>
+        <p:txBody>
+          <a:bodyPr vert="horz" lIns="91440" tIns="45720" rIns="91440" bIns="45720" rtlCol="0" anchor="ctr">
+            <a:normAutofit/>
+          </a:bodyPr>
+          <a:lstStyle>
+            <a:lvl1pPr algn="l" defTabSz="457200" rtl="0" eaLnBrk="1" latinLnBrk="0" hangingPunct="1">
+              <a:spcBef>
+                <a:spcPct val="0"/>
+              </a:spcBef>
+              <a:buNone/>
+              <a:defRPr sz="3600" kern="1200" cap="all">
+                <a:ln w="3175" cmpd="sng">
+                  <a:noFill/>
+                </a:ln>
+                <a:solidFill>
+                  <a:schemeClr val="tx1"/>
+                </a:solidFill>
+                <a:effectLst/>
+                <a:latin typeface="+mj-lt"/>
+                <a:ea typeface="+mj-ea"/>
+                <a:cs typeface="+mj-cs"/>
+              </a:defRPr>
+            </a:lvl1pPr>
+            <a:lvl2pPr eaLnBrk="1" hangingPunct="1">
+              <a:defRPr>
+                <a:solidFill>
+                  <a:schemeClr val="tx2"/>
+                </a:solidFill>
+              </a:defRPr>
+            </a:lvl2pPr>
+            <a:lvl3pPr eaLnBrk="1" hangingPunct="1">
+              <a:defRPr>
+                <a:solidFill>
+                  <a:schemeClr val="tx2"/>
+                </a:solidFill>
+              </a:defRPr>
+            </a:lvl3pPr>
+            <a:lvl4pPr eaLnBrk="1" hangingPunct="1">
+              <a:defRPr>
+                <a:solidFill>
+                  <a:schemeClr val="tx2"/>
+                </a:solidFill>
+              </a:defRPr>
+            </a:lvl4pPr>
+            <a:lvl5pPr eaLnBrk="1" hangingPunct="1">
+              <a:defRPr>
+                <a:solidFill>
+                  <a:schemeClr val="tx2"/>
+                </a:solidFill>
+              </a:defRPr>
+            </a:lvl5pPr>
+            <a:lvl6pPr eaLnBrk="1" hangingPunct="1">
+              <a:defRPr>
+                <a:solidFill>
+                  <a:schemeClr val="tx2"/>
+                </a:solidFill>
+              </a:defRPr>
+            </a:lvl6pPr>
+            <a:lvl7pPr eaLnBrk="1" hangingPunct="1">
+              <a:defRPr>
+                <a:solidFill>
+                  <a:schemeClr val="tx2"/>
+                </a:solidFill>
+              </a:defRPr>
+            </a:lvl7pPr>
+            <a:lvl8pPr eaLnBrk="1" hangingPunct="1">
+              <a:defRPr>
+                <a:solidFill>
+                  <a:schemeClr val="tx2"/>
+                </a:solidFill>
+              </a:defRPr>
+            </a:lvl8pPr>
+            <a:lvl9pPr eaLnBrk="1" hangingPunct="1">
+              <a:defRPr>
+                <a:solidFill>
+                  <a:schemeClr val="tx2"/>
+                </a:solidFill>
+              </a:defRPr>
+            </a:lvl9pPr>
+          </a:lstStyle>
+          <a:p>
+            <a:pPr algn="ctr"/>
             <a:r>
               <a:rPr lang="ru-RU" dirty="0" smtClean="0"/>
-              <a:t>SMTP. </a:t>
+              <a:t>Админ-панель</a:t>
             </a:r>
             <a:endParaRPr lang="ru-RU" dirty="0"/>
           </a:p>
-          <a:p>
-            <a:endParaRPr lang="ru-RU" dirty="0"/>
+        </p:txBody>
+      </p:sp>
+      <p:sp>
+        <p:nvSpPr>
+          <p:cNvPr id="12" name="Объект 2"/>
+          <p:cNvSpPr txBox="1">
+            <a:spLocks/>
+          </p:cNvSpPr>
+          <p:nvPr/>
+        </p:nvSpPr>
+        <p:spPr>
+          <a:xfrm>
+            <a:off x="684212" y="3724275"/>
+            <a:ext cx="4511631" cy="2114550"/>
+          </a:xfrm>
+          <a:prstGeom prst="rect">
+            <a:avLst/>
+          </a:prstGeom>
+        </p:spPr>
+        <p:txBody>
+          <a:bodyPr vert="horz" lIns="91440" tIns="45720" rIns="91440" bIns="45720" rtlCol="0" anchor="t">
+            <a:normAutofit/>
+          </a:bodyPr>
+          <a:lstStyle>
+            <a:lvl1pPr marL="285750" indent="-285750" algn="l" defTabSz="457200" rtl="0" eaLnBrk="1" latinLnBrk="0" hangingPunct="1">
+              <a:spcBef>
+                <a:spcPct val="20000"/>
+              </a:spcBef>
+              <a:spcAft>
+                <a:spcPts val="600"/>
+              </a:spcAft>
+              <a:buClr>
+                <a:schemeClr val="tx1"/>
+              </a:buClr>
+              <a:buSzPct val="80000"/>
+              <a:buFont typeface="Wingdings 3" panose="05040102010807070707" pitchFamily="18" charset="2"/>
+              <a:buChar char=""/>
+              <a:defRPr sz="2000" kern="1200" cap="none">
+                <a:solidFill>
+                  <a:schemeClr val="bg2">
+                    <a:lumMod val="50000"/>
+                  </a:schemeClr>
+                </a:solidFill>
+                <a:effectLst/>
+                <a:latin typeface="+mn-lt"/>
+                <a:ea typeface="+mn-ea"/>
+                <a:cs typeface="+mn-cs"/>
+              </a:defRPr>
+            </a:lvl1pPr>
+            <a:lvl2pPr marL="742950" indent="-285750" algn="l" defTabSz="457200" rtl="0" eaLnBrk="1" latinLnBrk="0" hangingPunct="1">
+              <a:spcBef>
+                <a:spcPct val="20000"/>
+              </a:spcBef>
+              <a:spcAft>
+                <a:spcPts val="600"/>
+              </a:spcAft>
+              <a:buClr>
+                <a:schemeClr val="tx1"/>
+              </a:buClr>
+              <a:buSzPct val="80000"/>
+              <a:buFont typeface="Wingdings 3" panose="05040102010807070707" pitchFamily="18" charset="2"/>
+              <a:buChar char=""/>
+              <a:defRPr sz="1800" kern="1200" cap="none">
+                <a:solidFill>
+                  <a:schemeClr val="bg2">
+                    <a:lumMod val="50000"/>
+                  </a:schemeClr>
+                </a:solidFill>
+                <a:effectLst/>
+                <a:latin typeface="+mn-lt"/>
+                <a:ea typeface="+mn-ea"/>
+                <a:cs typeface="+mn-cs"/>
+              </a:defRPr>
+            </a:lvl2pPr>
+            <a:lvl3pPr marL="1200150" indent="-285750" algn="l" defTabSz="457200" rtl="0" eaLnBrk="1" latinLnBrk="0" hangingPunct="1">
+              <a:spcBef>
+                <a:spcPct val="20000"/>
+              </a:spcBef>
+              <a:spcAft>
+                <a:spcPts val="600"/>
+              </a:spcAft>
+              <a:buClr>
+                <a:schemeClr val="tx1"/>
+              </a:buClr>
+              <a:buSzPct val="80000"/>
+              <a:buFont typeface="Wingdings 3" panose="05040102010807070707" pitchFamily="18" charset="2"/>
+              <a:buChar char=""/>
+              <a:defRPr sz="1600" kern="1200" cap="none">
+                <a:solidFill>
+                  <a:schemeClr val="bg2">
+                    <a:lumMod val="50000"/>
+                  </a:schemeClr>
+                </a:solidFill>
+                <a:effectLst/>
+                <a:latin typeface="+mn-lt"/>
+                <a:ea typeface="+mn-ea"/>
+                <a:cs typeface="+mn-cs"/>
+              </a:defRPr>
+            </a:lvl3pPr>
+            <a:lvl4pPr marL="1543050" indent="-171450" algn="l" defTabSz="457200" rtl="0" eaLnBrk="1" latinLnBrk="0" hangingPunct="1">
+              <a:spcBef>
+                <a:spcPct val="20000"/>
+              </a:spcBef>
+              <a:spcAft>
+                <a:spcPts val="600"/>
+              </a:spcAft>
+              <a:buClr>
+                <a:schemeClr val="tx1"/>
+              </a:buClr>
+              <a:buSzPct val="80000"/>
+              <a:buFont typeface="Wingdings 3" panose="05040102010807070707" pitchFamily="18" charset="2"/>
+              <a:buChar char=""/>
+              <a:defRPr sz="1400" kern="1200" cap="none">
+                <a:solidFill>
+                  <a:schemeClr val="bg2">
+                    <a:lumMod val="50000"/>
+                  </a:schemeClr>
+                </a:solidFill>
+                <a:effectLst/>
+                <a:latin typeface="+mn-lt"/>
+                <a:ea typeface="+mn-ea"/>
+                <a:cs typeface="+mn-cs"/>
+              </a:defRPr>
+            </a:lvl4pPr>
+            <a:lvl5pPr marL="2114550" indent="-285750" algn="l" defTabSz="457200" rtl="0" eaLnBrk="1" latinLnBrk="0" hangingPunct="1">
+              <a:spcBef>
+                <a:spcPct val="20000"/>
+              </a:spcBef>
+              <a:spcAft>
+                <a:spcPts val="600"/>
+              </a:spcAft>
+              <a:buClr>
+                <a:schemeClr val="tx1"/>
+              </a:buClr>
+              <a:buSzPct val="80000"/>
+              <a:buFont typeface="Wingdings 3" panose="05040102010807070707" pitchFamily="18" charset="2"/>
+              <a:buChar char=""/>
+              <a:defRPr sz="1400" kern="1200" cap="none">
+                <a:solidFill>
+                  <a:schemeClr val="bg2">
+                    <a:lumMod val="50000"/>
+                  </a:schemeClr>
+                </a:solidFill>
+                <a:effectLst/>
+                <a:latin typeface="+mn-lt"/>
+                <a:ea typeface="+mn-ea"/>
+                <a:cs typeface="+mn-cs"/>
+              </a:defRPr>
+            </a:lvl5pPr>
+            <a:lvl6pPr marL="2514600" indent="-228600" algn="l" defTabSz="457200" rtl="0" eaLnBrk="1" latinLnBrk="0" hangingPunct="1">
+              <a:spcBef>
+                <a:spcPct val="20000"/>
+              </a:spcBef>
+              <a:spcAft>
+                <a:spcPts val="600"/>
+              </a:spcAft>
+              <a:buClr>
+                <a:schemeClr val="tx1"/>
+              </a:buClr>
+              <a:buSzPct val="80000"/>
+              <a:buFont typeface="Wingdings 3" panose="05040102010807070707" pitchFamily="18" charset="2"/>
+              <a:buChar char=""/>
+              <a:defRPr sz="1400" kern="1200" cap="none">
+                <a:solidFill>
+                  <a:schemeClr val="bg2">
+                    <a:lumMod val="50000"/>
+                  </a:schemeClr>
+                </a:solidFill>
+                <a:effectLst/>
+                <a:latin typeface="+mn-lt"/>
+                <a:ea typeface="+mn-ea"/>
+                <a:cs typeface="+mn-cs"/>
+              </a:defRPr>
+            </a:lvl6pPr>
+            <a:lvl7pPr marL="2971800" indent="-228600" algn="l" defTabSz="457200" rtl="0" eaLnBrk="1" latinLnBrk="0" hangingPunct="1">
+              <a:spcBef>
+                <a:spcPct val="20000"/>
+              </a:spcBef>
+              <a:spcAft>
+                <a:spcPts val="600"/>
+              </a:spcAft>
+              <a:buClr>
+                <a:schemeClr val="tx1"/>
+              </a:buClr>
+              <a:buSzPct val="80000"/>
+              <a:buFont typeface="Wingdings 3" panose="05040102010807070707" pitchFamily="18" charset="2"/>
+              <a:buChar char=""/>
+              <a:defRPr sz="1400" kern="1200" cap="none">
+                <a:solidFill>
+                  <a:schemeClr val="bg2">
+                    <a:lumMod val="50000"/>
+                  </a:schemeClr>
+                </a:solidFill>
+                <a:effectLst/>
+                <a:latin typeface="+mn-lt"/>
+                <a:ea typeface="+mn-ea"/>
+                <a:cs typeface="+mn-cs"/>
+              </a:defRPr>
+            </a:lvl7pPr>
+            <a:lvl8pPr marL="3429000" indent="-228600" algn="l" defTabSz="457200" rtl="0" eaLnBrk="1" latinLnBrk="0" hangingPunct="1">
+              <a:spcBef>
+                <a:spcPct val="20000"/>
+              </a:spcBef>
+              <a:spcAft>
+                <a:spcPts val="600"/>
+              </a:spcAft>
+              <a:buClr>
+                <a:schemeClr val="tx1"/>
+              </a:buClr>
+              <a:buSzPct val="80000"/>
+              <a:buFont typeface="Wingdings 3" panose="05040102010807070707" pitchFamily="18" charset="2"/>
+              <a:buChar char=""/>
+              <a:defRPr sz="1400" kern="1200" cap="none">
+                <a:solidFill>
+                  <a:schemeClr val="bg2">
+                    <a:lumMod val="50000"/>
+                  </a:schemeClr>
+                </a:solidFill>
+                <a:effectLst/>
+                <a:latin typeface="+mn-lt"/>
+                <a:ea typeface="+mn-ea"/>
+                <a:cs typeface="+mn-cs"/>
+              </a:defRPr>
+            </a:lvl8pPr>
+            <a:lvl9pPr marL="3886200" indent="-228600" algn="l" defTabSz="457200" rtl="0" eaLnBrk="1" latinLnBrk="0" hangingPunct="1">
+              <a:spcBef>
+                <a:spcPct val="20000"/>
+              </a:spcBef>
+              <a:spcAft>
+                <a:spcPts val="600"/>
+              </a:spcAft>
+              <a:buClr>
+                <a:schemeClr val="tx1"/>
+              </a:buClr>
+              <a:buSzPct val="80000"/>
+              <a:buFont typeface="Wingdings 3" panose="05040102010807070707" pitchFamily="18" charset="2"/>
+              <a:buChar char=""/>
+              <a:defRPr sz="1400" kern="1200" cap="none">
+                <a:solidFill>
+                  <a:schemeClr val="bg2">
+                    <a:lumMod val="50000"/>
+                  </a:schemeClr>
+                </a:solidFill>
+                <a:effectLst/>
+                <a:latin typeface="+mn-lt"/>
+                <a:ea typeface="+mn-ea"/>
+                <a:cs typeface="+mn-cs"/>
+              </a:defRPr>
+            </a:lvl9pPr>
+          </a:lstStyle>
+          <a:p>
+            <a:pPr marL="0" indent="0">
+              <a:buNone/>
+            </a:pPr>
+            <a:r>
+              <a:rPr lang="ru-RU" dirty="0" smtClean="0">
+                <a:solidFill>
+                  <a:schemeClr val="tx1"/>
+                </a:solidFill>
+              </a:rPr>
+              <a:t>Админ-панель – предоставляет функционал работы с данными из базы данных, а также обработку и вывод аналитических расчетов в графическом виде</a:t>
+            </a:r>
           </a:p>
         </p:txBody>
       </p:sp>
       <p:pic>
         <p:nvPicPr>
-          <p:cNvPr id="4" name="Рисунок 3"/>
+          <p:cNvPr id="9" name="Рисунок 8"/>
           <p:cNvPicPr>
             <a:picLocks noChangeAspect="1"/>
           </p:cNvPicPr>
@@ -4147,8 +4273,8 @@
         </p:blipFill>
         <p:spPr>
           <a:xfrm>
-            <a:off x="5282641" y="904875"/>
-            <a:ext cx="3217160" cy="2333220"/>
+            <a:off x="5195843" y="261453"/>
+            <a:ext cx="4338682" cy="4792271"/>
           </a:xfrm>
           <a:prstGeom prst="rect">
             <a:avLst/>
@@ -4157,7 +4283,7 @@
       </p:pic>
       <p:pic>
         <p:nvPicPr>
-          <p:cNvPr id="5" name="Рисунок 4"/>
+          <p:cNvPr id="8" name="Рисунок 7"/>
           <p:cNvPicPr>
             <a:picLocks noChangeAspect="1"/>
           </p:cNvPicPr>
@@ -4171,56 +4297,8 @@
         </p:blipFill>
         <p:spPr>
           <a:xfrm>
-            <a:off x="8594474" y="1349038"/>
-            <a:ext cx="1940492" cy="1889057"/>
-          </a:xfrm>
-          <a:prstGeom prst="rect">
-            <a:avLst/>
-          </a:prstGeom>
-        </p:spPr>
-      </p:pic>
-      <p:pic>
-        <p:nvPicPr>
-          <p:cNvPr id="8" name="Рисунок 7"/>
-          <p:cNvPicPr>
-            <a:picLocks noChangeAspect="1"/>
-          </p:cNvPicPr>
-          <p:nvPr/>
-        </p:nvPicPr>
-        <p:blipFill>
-          <a:blip r:embed="rId4"/>
-          <a:stretch>
-            <a:fillRect/>
-          </a:stretch>
-        </p:blipFill>
-        <p:spPr>
-          <a:xfrm>
-            <a:off x="8594474" y="904874"/>
-            <a:ext cx="1940492" cy="371475"/>
-          </a:xfrm>
-          <a:prstGeom prst="rect">
-            <a:avLst/>
-          </a:prstGeom>
-        </p:spPr>
-      </p:pic>
-      <p:pic>
-        <p:nvPicPr>
-          <p:cNvPr id="9" name="Рисунок 8"/>
-          <p:cNvPicPr>
-            <a:picLocks noChangeAspect="1"/>
-          </p:cNvPicPr>
-          <p:nvPr/>
-        </p:nvPicPr>
-        <p:blipFill>
-          <a:blip r:embed="rId5"/>
-          <a:stretch>
-            <a:fillRect/>
-          </a:stretch>
-        </p:blipFill>
-        <p:spPr>
-          <a:xfrm>
-            <a:off x="5281582" y="3310784"/>
-            <a:ext cx="5253384" cy="2467498"/>
+            <a:off x="7717502" y="2209638"/>
+            <a:ext cx="4128259" cy="3695862"/>
           </a:xfrm>
           <a:prstGeom prst="rect">
             <a:avLst/>
@@ -4230,7 +4308,7 @@
     </p:spTree>
     <p:extLst>
       <p:ext uri="{BB962C8B-B14F-4D97-AF65-F5344CB8AC3E}">
-        <p14:creationId xmlns:p14="http://schemas.microsoft.com/office/powerpoint/2010/main" val="136349528"/>
+        <p14:creationId xmlns:p14="http://schemas.microsoft.com/office/powerpoint/2010/main" val="369815128"/>
       </p:ext>
     </p:extLst>
   </p:cSld>
@@ -4269,8 +4347,8 @@
         </p:nvSpPr>
         <p:spPr>
           <a:xfrm>
-            <a:off x="684213" y="439207"/>
-            <a:ext cx="4554538" cy="624687"/>
+            <a:off x="684212" y="346445"/>
+            <a:ext cx="4735513" cy="815606"/>
           </a:xfrm>
         </p:spPr>
         <p:txBody>
@@ -4279,7 +4357,7 @@
           <a:p>
             <a:r>
               <a:rPr lang="ru-RU" dirty="0" smtClean="0"/>
-              <a:t>Заключение</a:t>
+              <a:t>Тестирование</a:t>
             </a:r>
             <a:endParaRPr lang="ru-RU" dirty="0"/>
           </a:p>
@@ -4297,23 +4375,445 @@
         </p:nvSpPr>
         <p:spPr>
           <a:xfrm>
-            <a:off x="684213" y="1162050"/>
-            <a:ext cx="4687888" cy="4142574"/>
+            <a:off x="684212" y="1228725"/>
+            <a:ext cx="4511631" cy="3562350"/>
           </a:xfrm>
         </p:spPr>
         <p:txBody>
           <a:bodyPr>
-            <a:normAutofit fontScale="92500" lnSpcReduction="20000"/>
+            <a:normAutofit fontScale="92500" lnSpcReduction="10000"/>
           </a:bodyPr>
           <a:lstStyle/>
           <a:p>
+            <a:pPr lvl="0"/>
             <a:r>
               <a:rPr lang="ru-RU" dirty="0"/>
-              <a:t>Согласно цели выпускной квалификационной работы бакалавра была произведена модернизация сайта компании «Маяк-авангард» с применением современных инструментов и технологий веб-разработки. В том числе были добавлены и протестированы новые функции и страницы, а также админ-панель, позволяющая просматривать и редактировать данные оставленные пользователями и потенциальными клиентами. </a:t>
-            </a:r>
-          </a:p>
-          <a:p>
+              <a:t>Запись пользователя</a:t>
+            </a:r>
+            <a:r>
+              <a:rPr lang="en-US" dirty="0"/>
+              <a:t>;</a:t>
+            </a:r>
             <a:endParaRPr lang="ru-RU" dirty="0"/>
+          </a:p>
+          <a:p>
+            <a:pPr lvl="0"/>
+            <a:r>
+              <a:rPr lang="ru-RU" dirty="0"/>
+              <a:t>Запись информации о заявке</a:t>
+            </a:r>
+            <a:r>
+              <a:rPr lang="en-US" dirty="0"/>
+              <a:t>;</a:t>
+            </a:r>
+            <a:endParaRPr lang="ru-RU" dirty="0"/>
+          </a:p>
+          <a:p>
+            <a:pPr lvl="0"/>
+            <a:r>
+              <a:rPr lang="ru-RU" dirty="0"/>
+              <a:t>Запись информации о заказе</a:t>
+            </a:r>
+            <a:r>
+              <a:rPr lang="en-US" dirty="0"/>
+              <a:t>;</a:t>
+            </a:r>
+            <a:endParaRPr lang="ru-RU" dirty="0"/>
+          </a:p>
+          <a:p>
+            <a:pPr lvl="0"/>
+            <a:r>
+              <a:rPr lang="ru-RU" dirty="0"/>
+              <a:t>Получение данных о пользователях</a:t>
+            </a:r>
+            <a:r>
+              <a:rPr lang="en-US" dirty="0"/>
+              <a:t>;</a:t>
+            </a:r>
+            <a:endParaRPr lang="ru-RU" dirty="0"/>
+          </a:p>
+          <a:p>
+            <a:pPr lvl="0"/>
+            <a:r>
+              <a:rPr lang="ru-RU" dirty="0"/>
+              <a:t>Получение информации о заявках</a:t>
+            </a:r>
+            <a:r>
+              <a:rPr lang="en-US" dirty="0"/>
+              <a:t>;</a:t>
+            </a:r>
+            <a:endParaRPr lang="ru-RU" dirty="0"/>
+          </a:p>
+          <a:p>
+            <a:pPr lvl="0"/>
+            <a:r>
+              <a:rPr lang="ru-RU" dirty="0"/>
+              <a:t>Получение информации о заказах</a:t>
+            </a:r>
+            <a:r>
+              <a:rPr lang="en-US" dirty="0"/>
+              <a:t>;</a:t>
+            </a:r>
+            <a:endParaRPr lang="ru-RU" dirty="0"/>
+          </a:p>
+          <a:p>
+            <a:pPr lvl="0"/>
+            <a:r>
+              <a:rPr lang="ru-RU" dirty="0"/>
+              <a:t>Получение данных по параметрам</a:t>
+            </a:r>
+            <a:r>
+              <a:rPr lang="en-US" dirty="0"/>
+              <a:t>;</a:t>
+            </a:r>
+            <a:endParaRPr lang="ru-RU" dirty="0"/>
+          </a:p>
+          <a:p>
+            <a:pPr lvl="0"/>
+            <a:r>
+              <a:rPr lang="ru-RU" dirty="0"/>
+              <a:t>Запрос статистики</a:t>
+            </a:r>
+            <a:r>
+              <a:rPr lang="en-US" dirty="0"/>
+              <a:t>.</a:t>
+            </a:r>
+            <a:endParaRPr lang="ru-RU" dirty="0"/>
+          </a:p>
+        </p:txBody>
+      </p:sp>
+      <p:pic>
+        <p:nvPicPr>
+          <p:cNvPr id="2050" name="Рисунок 1"/>
+          <p:cNvPicPr>
+            <a:picLocks noChangeAspect="1" noChangeArrowheads="1"/>
+          </p:cNvPicPr>
+          <p:nvPr/>
+        </p:nvPicPr>
+        <p:blipFill rotWithShape="1">
+          <a:blip r:embed="rId2">
+            <a:extLst>
+              <a:ext uri="{28A0092B-C50C-407E-A947-70E740481C1C}">
+                <a14:useLocalDpi xmlns:a14="http://schemas.microsoft.com/office/drawing/2010/main" val="0"/>
+              </a:ext>
+            </a:extLst>
+          </a:blip>
+          <a:srcRect l="58574" t="11011" r="881" b="39497"/>
+          <a:stretch/>
+        </p:blipFill>
+        <p:spPr bwMode="auto">
+          <a:xfrm>
+            <a:off x="5754158" y="346444"/>
+            <a:ext cx="3413101" cy="1969616"/>
+          </a:xfrm>
+          <a:prstGeom prst="rect">
+            <a:avLst/>
+          </a:prstGeom>
+          <a:noFill/>
+          <a:ln>
+            <a:noFill/>
+          </a:ln>
+          <a:extLst>
+            <a:ext uri="{909E8E84-426E-40DD-AFC4-6F175D3DCCD1}">
+              <a14:hiddenFill xmlns:a14="http://schemas.microsoft.com/office/drawing/2010/main">
+                <a:solidFill>
+                  <a:srgbClr val="FFFFFF"/>
+                </a:solidFill>
+              </a14:hiddenFill>
+            </a:ext>
+            <a:ext uri="{91240B29-F687-4F45-9708-019B960494DF}">
+              <a14:hiddenLine xmlns:a14="http://schemas.microsoft.com/office/drawing/2010/main" w="9525">
+                <a:solidFill>
+                  <a:srgbClr val="000000"/>
+                </a:solidFill>
+                <a:miter lim="800000"/>
+                <a:headEnd/>
+                <a:tailEnd/>
+              </a14:hiddenLine>
+            </a:ext>
+          </a:extLst>
+        </p:spPr>
+      </p:pic>
+      <p:pic>
+        <p:nvPicPr>
+          <p:cNvPr id="2051" name="Рисунок 1"/>
+          <p:cNvPicPr>
+            <a:picLocks noChangeAspect="1" noChangeArrowheads="1"/>
+          </p:cNvPicPr>
+          <p:nvPr/>
+        </p:nvPicPr>
+        <p:blipFill rotWithShape="1">
+          <a:blip r:embed="rId3">
+            <a:extLst>
+              <a:ext uri="{28A0092B-C50C-407E-A947-70E740481C1C}">
+                <a14:useLocalDpi xmlns:a14="http://schemas.microsoft.com/office/drawing/2010/main" val="0"/>
+              </a:ext>
+            </a:extLst>
+          </a:blip>
+          <a:srcRect r="24880"/>
+          <a:stretch/>
+        </p:blipFill>
+        <p:spPr bwMode="auto">
+          <a:xfrm>
+            <a:off x="5754158" y="4276724"/>
+            <a:ext cx="5981012" cy="1309982"/>
+          </a:xfrm>
+          <a:prstGeom prst="rect">
+            <a:avLst/>
+          </a:prstGeom>
+          <a:noFill/>
+          <a:ln>
+            <a:noFill/>
+          </a:ln>
+          <a:extLst>
+            <a:ext uri="{909E8E84-426E-40DD-AFC4-6F175D3DCCD1}">
+              <a14:hiddenFill xmlns:a14="http://schemas.microsoft.com/office/drawing/2010/main">
+                <a:solidFill>
+                  <a:srgbClr val="FFFFFF"/>
+                </a:solidFill>
+              </a14:hiddenFill>
+            </a:ext>
+            <a:ext uri="{91240B29-F687-4F45-9708-019B960494DF}">
+              <a14:hiddenLine xmlns:a14="http://schemas.microsoft.com/office/drawing/2010/main" w="9525">
+                <a:solidFill>
+                  <a:srgbClr val="000000"/>
+                </a:solidFill>
+                <a:miter lim="800000"/>
+                <a:headEnd/>
+                <a:tailEnd/>
+              </a14:hiddenLine>
+            </a:ext>
+          </a:extLst>
+        </p:spPr>
+      </p:pic>
+      <p:pic>
+        <p:nvPicPr>
+          <p:cNvPr id="2052" name="Рисунок 1"/>
+          <p:cNvPicPr>
+            <a:picLocks noChangeAspect="1" noChangeArrowheads="1"/>
+          </p:cNvPicPr>
+          <p:nvPr/>
+        </p:nvPicPr>
+        <p:blipFill>
+          <a:blip r:embed="rId4">
+            <a:extLst>
+              <a:ext uri="{28A0092B-C50C-407E-A947-70E740481C1C}">
+                <a14:useLocalDpi xmlns:a14="http://schemas.microsoft.com/office/drawing/2010/main" val="0"/>
+              </a:ext>
+            </a:extLst>
+          </a:blip>
+          <a:srcRect/>
+          <a:stretch>
+            <a:fillRect/>
+          </a:stretch>
+        </p:blipFill>
+        <p:spPr bwMode="auto">
+          <a:xfrm>
+            <a:off x="9210675" y="349175"/>
+            <a:ext cx="2524495" cy="3877867"/>
+          </a:xfrm>
+          <a:prstGeom prst="rect">
+            <a:avLst/>
+          </a:prstGeom>
+          <a:noFill/>
+          <a:ln>
+            <a:noFill/>
+          </a:ln>
+          <a:extLst>
+            <a:ext uri="{909E8E84-426E-40DD-AFC4-6F175D3DCCD1}">
+              <a14:hiddenFill xmlns:a14="http://schemas.microsoft.com/office/drawing/2010/main">
+                <a:solidFill>
+                  <a:srgbClr val="FFFFFF"/>
+                </a:solidFill>
+              </a14:hiddenFill>
+            </a:ext>
+            <a:ext uri="{91240B29-F687-4F45-9708-019B960494DF}">
+              <a14:hiddenLine xmlns:a14="http://schemas.microsoft.com/office/drawing/2010/main" w="9525">
+                <a:solidFill>
+                  <a:srgbClr val="000000"/>
+                </a:solidFill>
+                <a:miter lim="800000"/>
+                <a:headEnd/>
+                <a:tailEnd/>
+              </a14:hiddenLine>
+            </a:ext>
+          </a:extLst>
+        </p:spPr>
+      </p:pic>
+      <p:pic>
+        <p:nvPicPr>
+          <p:cNvPr id="6" name="Рисунок 5"/>
+          <p:cNvPicPr>
+            <a:picLocks noChangeAspect="1"/>
+          </p:cNvPicPr>
+          <p:nvPr/>
+        </p:nvPicPr>
+        <p:blipFill>
+          <a:blip r:embed="rId5"/>
+          <a:stretch>
+            <a:fillRect/>
+          </a:stretch>
+        </p:blipFill>
+        <p:spPr>
+          <a:xfrm>
+            <a:off x="5754158" y="2365742"/>
+            <a:ext cx="3411116" cy="1861300"/>
+          </a:xfrm>
+          <a:prstGeom prst="rect">
+            <a:avLst/>
+          </a:prstGeom>
+        </p:spPr>
+      </p:pic>
+    </p:spTree>
+    <p:extLst>
+      <p:ext uri="{BB962C8B-B14F-4D97-AF65-F5344CB8AC3E}">
+        <p14:creationId xmlns:p14="http://schemas.microsoft.com/office/powerpoint/2010/main" val="4158913896"/>
+      </p:ext>
+    </p:extLst>
+  </p:cSld>
+  <p:clrMapOvr>
+    <a:masterClrMapping/>
+  </p:clrMapOvr>
+</p:sld>
+</file>
+
+<file path=ppt/slides/slide13.xml><?xml version="1.0" encoding="utf-8"?>
+<p:sld xmlns:a="http://schemas.openxmlformats.org/drawingml/2006/main" xmlns:r="http://schemas.openxmlformats.org/officeDocument/2006/relationships" xmlns:p="http://schemas.openxmlformats.org/presentationml/2006/main">
+  <p:cSld>
+    <p:spTree>
+      <p:nvGrpSpPr>
+        <p:cNvPr id="1" name=""/>
+        <p:cNvGrpSpPr/>
+        <p:nvPr/>
+      </p:nvGrpSpPr>
+      <p:grpSpPr>
+        <a:xfrm>
+          <a:off x="0" y="0"/>
+          <a:ext cx="0" cy="0"/>
+          <a:chOff x="0" y="0"/>
+          <a:chExt cx="0" cy="0"/>
+        </a:xfrm>
+      </p:grpSpPr>
+      <p:sp>
+        <p:nvSpPr>
+          <p:cNvPr id="2" name="Заголовок 1"/>
+          <p:cNvSpPr>
+            <a:spLocks noGrp="1"/>
+          </p:cNvSpPr>
+          <p:nvPr>
+            <p:ph type="title"/>
+          </p:nvPr>
+        </p:nvSpPr>
+        <p:spPr>
+          <a:xfrm>
+            <a:off x="684212" y="346444"/>
+            <a:ext cx="4735513" cy="665825"/>
+          </a:xfrm>
+        </p:spPr>
+        <p:txBody>
+          <a:bodyPr/>
+          <a:lstStyle/>
+          <a:p>
+            <a:r>
+              <a:rPr lang="ru-RU" dirty="0" smtClean="0"/>
+              <a:t>размещение</a:t>
+            </a:r>
+            <a:endParaRPr lang="ru-RU" dirty="0"/>
+          </a:p>
+        </p:txBody>
+      </p:sp>
+      <p:sp>
+        <p:nvSpPr>
+          <p:cNvPr id="3" name="Объект 2"/>
+          <p:cNvSpPr>
+            <a:spLocks noGrp="1"/>
+          </p:cNvSpPr>
+          <p:nvPr>
+            <p:ph idx="1"/>
+          </p:nvPr>
+        </p:nvSpPr>
+        <p:spPr>
+          <a:xfrm>
+            <a:off x="684212" y="1012269"/>
+            <a:ext cx="4511631" cy="4597031"/>
+          </a:xfrm>
+        </p:spPr>
+        <p:txBody>
+          <a:bodyPr>
+            <a:normAutofit/>
+          </a:bodyPr>
+          <a:lstStyle/>
+          <a:p>
+            <a:r>
+              <a:rPr lang="ru-RU" dirty="0"/>
+              <a:t>В качестве хостинг сервиса был выбран продукт компании «</a:t>
+            </a:r>
+            <a:r>
+              <a:rPr lang="ru-RU" dirty="0" err="1"/>
+              <a:t>Макхост</a:t>
+            </a:r>
+            <a:r>
+              <a:rPr lang="ru-RU" dirty="0"/>
+              <a:t>». Он идеально подходит и удовлетворяет все нужные требования для размещения </a:t>
+            </a:r>
+            <a:r>
+              <a:rPr lang="ru-RU" dirty="0" smtClean="0"/>
+              <a:t>веб-сервиса.</a:t>
+            </a:r>
+            <a:endParaRPr lang="en-US" dirty="0" smtClean="0"/>
+          </a:p>
+          <a:p>
+            <a:r>
+              <a:rPr lang="ru-RU" dirty="0" smtClean="0"/>
+              <a:t>Доменное имя: </a:t>
+            </a:r>
+            <a:r>
+              <a:rPr lang="en-US" dirty="0" err="1" smtClean="0"/>
+              <a:t>mayak</a:t>
+            </a:r>
+            <a:r>
+              <a:rPr lang="ru-RU" dirty="0"/>
+              <a:t>-</a:t>
+            </a:r>
+            <a:r>
+              <a:rPr lang="en-US" dirty="0" err="1"/>
+              <a:t>avangard</a:t>
+            </a:r>
+            <a:r>
+              <a:rPr lang="ru-RU" dirty="0"/>
+              <a:t>.</a:t>
+            </a:r>
+            <a:r>
+              <a:rPr lang="en-US" dirty="0" err="1"/>
+              <a:t>ru</a:t>
+            </a:r>
+            <a:r>
+              <a:rPr lang="ru-RU" dirty="0" smtClean="0"/>
+              <a:t>.</a:t>
+            </a:r>
+            <a:endParaRPr lang="en-US" dirty="0" smtClean="0"/>
+          </a:p>
+          <a:p>
+            <a:r>
+              <a:rPr lang="ru-RU" dirty="0"/>
+              <a:t>Для </a:t>
+            </a:r>
+            <a:r>
+              <a:rPr lang="ru-RU" dirty="0" smtClean="0"/>
+              <a:t>полной </a:t>
+            </a:r>
+            <a:r>
+              <a:rPr lang="ru-RU" dirty="0"/>
+              <a:t>работы сайта на хостинге была настроена и заполнена база </a:t>
+            </a:r>
+            <a:r>
+              <a:rPr lang="ru-RU" dirty="0" smtClean="0"/>
+              <a:t>данных</a:t>
+            </a:r>
+            <a:r>
+              <a:rPr lang="ru-RU" dirty="0"/>
+              <a:t>.</a:t>
+            </a:r>
           </a:p>
         </p:txBody>
       </p:sp>
@@ -4333,8 +4833,8 @@
         </p:blipFill>
         <p:spPr>
           <a:xfrm>
-            <a:off x="5372101" y="606694"/>
-            <a:ext cx="5271456" cy="2717531"/>
+            <a:off x="5282641" y="904875"/>
+            <a:ext cx="3217160" cy="2333220"/>
           </a:xfrm>
           <a:prstGeom prst="rect">
             <a:avLst/>
@@ -4357,6 +4857,189 @@
         </p:blipFill>
         <p:spPr>
           <a:xfrm>
+            <a:off x="8594474" y="1349038"/>
+            <a:ext cx="1940492" cy="1889057"/>
+          </a:xfrm>
+          <a:prstGeom prst="rect">
+            <a:avLst/>
+          </a:prstGeom>
+        </p:spPr>
+      </p:pic>
+      <p:pic>
+        <p:nvPicPr>
+          <p:cNvPr id="8" name="Рисунок 7"/>
+          <p:cNvPicPr>
+            <a:picLocks noChangeAspect="1"/>
+          </p:cNvPicPr>
+          <p:nvPr/>
+        </p:nvPicPr>
+        <p:blipFill>
+          <a:blip r:embed="rId4"/>
+          <a:stretch>
+            <a:fillRect/>
+          </a:stretch>
+        </p:blipFill>
+        <p:spPr>
+          <a:xfrm>
+            <a:off x="8594474" y="904874"/>
+            <a:ext cx="1940492" cy="371475"/>
+          </a:xfrm>
+          <a:prstGeom prst="rect">
+            <a:avLst/>
+          </a:prstGeom>
+        </p:spPr>
+      </p:pic>
+      <p:pic>
+        <p:nvPicPr>
+          <p:cNvPr id="9" name="Рисунок 8"/>
+          <p:cNvPicPr>
+            <a:picLocks noChangeAspect="1"/>
+          </p:cNvPicPr>
+          <p:nvPr/>
+        </p:nvPicPr>
+        <p:blipFill>
+          <a:blip r:embed="rId5"/>
+          <a:stretch>
+            <a:fillRect/>
+          </a:stretch>
+        </p:blipFill>
+        <p:spPr>
+          <a:xfrm>
+            <a:off x="5281582" y="3310784"/>
+            <a:ext cx="5253384" cy="2467498"/>
+          </a:xfrm>
+          <a:prstGeom prst="rect">
+            <a:avLst/>
+          </a:prstGeom>
+        </p:spPr>
+      </p:pic>
+    </p:spTree>
+    <p:extLst>
+      <p:ext uri="{BB962C8B-B14F-4D97-AF65-F5344CB8AC3E}">
+        <p14:creationId xmlns:p14="http://schemas.microsoft.com/office/powerpoint/2010/main" val="136349528"/>
+      </p:ext>
+    </p:extLst>
+  </p:cSld>
+  <p:clrMapOvr>
+    <a:masterClrMapping/>
+  </p:clrMapOvr>
+</p:sld>
+</file>
+
+<file path=ppt/slides/slide14.xml><?xml version="1.0" encoding="utf-8"?>
+<p:sld xmlns:a="http://schemas.openxmlformats.org/drawingml/2006/main" xmlns:r="http://schemas.openxmlformats.org/officeDocument/2006/relationships" xmlns:p="http://schemas.openxmlformats.org/presentationml/2006/main">
+  <p:cSld>
+    <p:spTree>
+      <p:nvGrpSpPr>
+        <p:cNvPr id="1" name=""/>
+        <p:cNvGrpSpPr/>
+        <p:nvPr/>
+      </p:nvGrpSpPr>
+      <p:grpSpPr>
+        <a:xfrm>
+          <a:off x="0" y="0"/>
+          <a:ext cx="0" cy="0"/>
+          <a:chOff x="0" y="0"/>
+          <a:chExt cx="0" cy="0"/>
+        </a:xfrm>
+      </p:grpSpPr>
+      <p:sp>
+        <p:nvSpPr>
+          <p:cNvPr id="2" name="Заголовок 1"/>
+          <p:cNvSpPr>
+            <a:spLocks noGrp="1"/>
+          </p:cNvSpPr>
+          <p:nvPr>
+            <p:ph type="title"/>
+          </p:nvPr>
+        </p:nvSpPr>
+        <p:spPr>
+          <a:xfrm>
+            <a:off x="684213" y="439207"/>
+            <a:ext cx="4554538" cy="624687"/>
+          </a:xfrm>
+        </p:spPr>
+        <p:txBody>
+          <a:bodyPr/>
+          <a:lstStyle/>
+          <a:p>
+            <a:r>
+              <a:rPr lang="ru-RU" dirty="0" smtClean="0"/>
+              <a:t>Заключение</a:t>
+            </a:r>
+            <a:endParaRPr lang="ru-RU" dirty="0"/>
+          </a:p>
+        </p:txBody>
+      </p:sp>
+      <p:sp>
+        <p:nvSpPr>
+          <p:cNvPr id="3" name="Объект 2"/>
+          <p:cNvSpPr>
+            <a:spLocks noGrp="1"/>
+          </p:cNvSpPr>
+          <p:nvPr>
+            <p:ph idx="1"/>
+          </p:nvPr>
+        </p:nvSpPr>
+        <p:spPr>
+          <a:xfrm>
+            <a:off x="684213" y="1162050"/>
+            <a:ext cx="4687888" cy="4142574"/>
+          </a:xfrm>
+        </p:spPr>
+        <p:txBody>
+          <a:bodyPr>
+            <a:normAutofit fontScale="92500" lnSpcReduction="20000"/>
+          </a:bodyPr>
+          <a:lstStyle/>
+          <a:p>
+            <a:r>
+              <a:rPr lang="ru-RU" dirty="0"/>
+              <a:t>В соответствии с целью выпускной квалификационной работы бакалавра была произведена модернизация сайта компании «Маяк-авангард» с применением современных инструментов и технологий веб-разработки, в том числе были добавлены и протестированы новые функции и страницы, а также админ-панель, позволяющая просматривать и редактировать данные, оставленные пользователями и потенциальными клиентами.</a:t>
+            </a:r>
+          </a:p>
+        </p:txBody>
+      </p:sp>
+      <p:pic>
+        <p:nvPicPr>
+          <p:cNvPr id="4" name="Рисунок 3"/>
+          <p:cNvPicPr>
+            <a:picLocks noChangeAspect="1"/>
+          </p:cNvPicPr>
+          <p:nvPr/>
+        </p:nvPicPr>
+        <p:blipFill>
+          <a:blip r:embed="rId2"/>
+          <a:stretch>
+            <a:fillRect/>
+          </a:stretch>
+        </p:blipFill>
+        <p:spPr>
+          <a:xfrm>
+            <a:off x="5372101" y="606694"/>
+            <a:ext cx="5271456" cy="2717531"/>
+          </a:xfrm>
+          <a:prstGeom prst="rect">
+            <a:avLst/>
+          </a:prstGeom>
+        </p:spPr>
+      </p:pic>
+      <p:pic>
+        <p:nvPicPr>
+          <p:cNvPr id="5" name="Рисунок 4"/>
+          <p:cNvPicPr>
+            <a:picLocks noChangeAspect="1"/>
+          </p:cNvPicPr>
+          <p:nvPr/>
+        </p:nvPicPr>
+        <p:blipFill>
+          <a:blip r:embed="rId3"/>
+          <a:stretch>
+            <a:fillRect/>
+          </a:stretch>
+        </p:blipFill>
+        <p:spPr>
+          <a:xfrm>
             <a:off x="6678512" y="2676897"/>
             <a:ext cx="5248050" cy="2709741"/>
           </a:xfrm>
@@ -4378,7 +5061,7 @@
 </p:sld>
 </file>
 
-<file path=ppt/slides/slide13.xml><?xml version="1.0" encoding="utf-8"?>
+<file path=ppt/slides/slide15.xml><?xml version="1.0" encoding="utf-8"?>
 <p:sld xmlns:a="http://schemas.openxmlformats.org/drawingml/2006/main" xmlns:r="http://schemas.openxmlformats.org/officeDocument/2006/relationships" xmlns:p="http://schemas.openxmlformats.org/presentationml/2006/main">
   <p:cSld>
     <p:spTree>
@@ -4504,8 +5187,13 @@
             <a:pPr lvl="0"/>
             <a:r>
               <a:rPr lang="ru-RU" dirty="0"/>
-              <a:t>Изучить сайт, который требуется модернизировать;</a:t>
-            </a:r>
+              <a:t>Изучить сайт, </a:t>
+            </a:r>
+            <a:r>
+              <a:rPr lang="ru-RU" dirty="0" smtClean="0"/>
+              <a:t>требующий модернизации;</a:t>
+            </a:r>
+            <a:endParaRPr lang="ru-RU" dirty="0"/>
           </a:p>
           <a:p>
             <a:pPr lvl="0"/>
@@ -4531,7 +5219,15 @@
             <a:pPr lvl="0"/>
             <a:r>
               <a:rPr lang="ru-RU" dirty="0"/>
-              <a:t>Проанализировать и выбрать технологию для реализации;</a:t>
+              <a:t>Проанализировать и выбрать </a:t>
+            </a:r>
+            <a:r>
+              <a:rPr lang="ru-RU" dirty="0" smtClean="0"/>
+              <a:t>технологии </a:t>
+            </a:r>
+            <a:r>
+              <a:rPr lang="ru-RU" dirty="0"/>
+              <a:t>для реализации;</a:t>
             </a:r>
           </a:p>
           <a:p>
@@ -4584,7 +5280,7 @@
               <a:t>тестирование</a:t>
             </a:r>
             <a:r>
-              <a:rPr lang="en-US" dirty="0"/>
+              <a:rPr lang="en-US" dirty="0" smtClean="0"/>
               <a:t>.</a:t>
             </a:r>
             <a:endParaRPr lang="ru-RU" dirty="0"/>
@@ -4646,11 +5342,7 @@
           <a:p>
             <a:r>
               <a:rPr lang="ru-RU" dirty="0" smtClean="0"/>
-              <a:t>Анализ </a:t>
-            </a:r>
-            <a:r>
-              <a:rPr lang="ru-RU" dirty="0" smtClean="0"/>
-              <a:t>рынка</a:t>
+              <a:t>Анализ рынка</a:t>
             </a:r>
             <a:endParaRPr lang="ru-RU" dirty="0"/>
           </a:p>
@@ -4674,7 +5366,7 @@
         </p:spPr>
         <p:txBody>
           <a:bodyPr>
-            <a:normAutofit lnSpcReduction="10000"/>
+            <a:normAutofit/>
           </a:bodyPr>
           <a:lstStyle/>
           <a:p>
@@ -4688,22 +5380,14 @@
             <a:pPr lvl="0"/>
             <a:r>
               <a:rPr lang="ru-RU" dirty="0" smtClean="0"/>
-              <a:t>Обхват аудитории и сервисы предоставляющие </a:t>
-            </a:r>
-            <a:r>
-              <a:rPr lang="ru-RU" dirty="0" err="1" smtClean="0"/>
-              <a:t>таргетированную</a:t>
-            </a:r>
+              <a:t>Обхват аудитории и сервисы предоставляющие рекламные услуги.</a:t>
+            </a:r>
+          </a:p>
+          <a:p>
+            <a:pPr lvl="0"/>
             <a:r>
               <a:rPr lang="ru-RU" dirty="0" smtClean="0"/>
-              <a:t> рекламу.</a:t>
-            </a:r>
-          </a:p>
-          <a:p>
-            <a:pPr lvl="0"/>
-            <a:r>
-              <a:rPr lang="ru-RU" dirty="0" smtClean="0"/>
-              <a:t>Удобство использования и ведения учёта</a:t>
+              <a:t>Удобство использования и ведения учёта.</a:t>
             </a:r>
           </a:p>
           <a:p>
@@ -4717,7 +5401,7 @@
             <a:pPr lvl="0"/>
             <a:r>
               <a:rPr lang="ru-RU" dirty="0" smtClean="0"/>
-              <a:t>Проще продвигать продукцию и периферию.</a:t>
+              <a:t>Проще продвигать продукцию.</a:t>
             </a:r>
             <a:endParaRPr lang="ru-RU" dirty="0"/>
           </a:p>
@@ -4855,11 +5539,7 @@
           <a:p>
             <a:r>
               <a:rPr lang="ru-RU" dirty="0" smtClean="0"/>
-              <a:t>обзор </a:t>
-            </a:r>
-            <a:r>
-              <a:rPr lang="ru-RU" dirty="0" smtClean="0"/>
-              <a:t>прежней версии сайта</a:t>
+              <a:t>обзор прежней версии сайта</a:t>
             </a:r>
             <a:endParaRPr lang="ru-RU" dirty="0"/>
           </a:p>
@@ -4925,7 +5605,7 @@
             <a:pPr lvl="0"/>
             <a:r>
               <a:rPr lang="ru-RU" dirty="0" smtClean="0"/>
-              <a:t>Устаревший подход разработки веб-сервиса</a:t>
+              <a:t>Устаревший подход к разработке веб-сервиса</a:t>
             </a:r>
             <a:endParaRPr lang="ru-RU" dirty="0"/>
           </a:p>
@@ -5063,89 +5743,138 @@
         </p:nvSpPr>
         <p:spPr>
           <a:xfrm>
-            <a:off x="703499" y="2076450"/>
-            <a:ext cx="3430352" cy="3615267"/>
+            <a:off x="703499" y="2019300"/>
+            <a:ext cx="3430352" cy="4004310"/>
           </a:xfrm>
         </p:spPr>
         <p:txBody>
           <a:bodyPr>
-            <a:normAutofit fontScale="92500" lnSpcReduction="10000"/>
+            <a:noAutofit/>
           </a:bodyPr>
           <a:lstStyle/>
           <a:p>
-            <a:pPr lvl="0"/>
-            <a:r>
-              <a:rPr lang="en-US" dirty="0" smtClean="0"/>
+            <a:pPr lvl="0">
+              <a:lnSpc>
+                <a:spcPct val="100000"/>
+              </a:lnSpc>
+            </a:pPr>
+            <a:r>
+              <a:rPr lang="ru-RU" sz="1600" dirty="0" smtClean="0"/>
+              <a:t>Препроцессор </a:t>
+            </a:r>
+            <a:r>
+              <a:rPr lang="en-US" sz="1600" dirty="0" smtClean="0"/>
               <a:t>SASS</a:t>
             </a:r>
-            <a:endParaRPr lang="ru-RU" dirty="0" smtClean="0"/>
-          </a:p>
-          <a:p>
-            <a:pPr lvl="0"/>
-            <a:r>
-              <a:rPr lang="en-US" dirty="0" smtClean="0"/>
+            <a:endParaRPr lang="ru-RU" sz="1600" dirty="0" smtClean="0"/>
+          </a:p>
+          <a:p>
+            <a:pPr lvl="0">
+              <a:lnSpc>
+                <a:spcPct val="100000"/>
+              </a:lnSpc>
+            </a:pPr>
+            <a:r>
+              <a:rPr lang="ru-RU" sz="1600" dirty="0" smtClean="0"/>
+              <a:t>Язык программирования </a:t>
+            </a:r>
+            <a:r>
+              <a:rPr lang="en-US" sz="1600" dirty="0" smtClean="0"/>
               <a:t>PHP 7.0</a:t>
             </a:r>
-            <a:endParaRPr lang="ru-RU" dirty="0" smtClean="0"/>
-          </a:p>
-          <a:p>
-            <a:pPr lvl="0"/>
-            <a:r>
-              <a:rPr lang="en-US" dirty="0" smtClean="0"/>
+            <a:endParaRPr lang="ru-RU" sz="1600" dirty="0" smtClean="0"/>
+          </a:p>
+          <a:p>
+            <a:pPr lvl="0">
+              <a:lnSpc>
+                <a:spcPct val="100000"/>
+              </a:lnSpc>
+            </a:pPr>
+            <a:r>
+              <a:rPr lang="ru-RU" sz="1600" dirty="0" smtClean="0"/>
+              <a:t>Язык программирования </a:t>
+            </a:r>
+            <a:r>
+              <a:rPr lang="en-US" sz="1600" dirty="0" smtClean="0"/>
               <a:t>JavaScript</a:t>
             </a:r>
-            <a:endParaRPr lang="ru-RU" dirty="0" smtClean="0"/>
-          </a:p>
-          <a:p>
-            <a:pPr lvl="0"/>
-            <a:r>
-              <a:rPr lang="en-US" dirty="0" smtClean="0"/>
+            <a:endParaRPr lang="ru-RU" sz="1600" dirty="0" smtClean="0"/>
+          </a:p>
+          <a:p>
+            <a:pPr lvl="0">
+              <a:lnSpc>
+                <a:spcPct val="100000"/>
+              </a:lnSpc>
+            </a:pPr>
+            <a:r>
+              <a:rPr lang="ru-RU" sz="1600" dirty="0" smtClean="0"/>
+              <a:t>СУРБД </a:t>
+            </a:r>
+            <a:r>
+              <a:rPr lang="en-US" sz="1600" dirty="0" smtClean="0"/>
               <a:t>MySQL 5.7</a:t>
             </a:r>
-            <a:endParaRPr lang="ru-RU" dirty="0" smtClean="0"/>
-          </a:p>
-          <a:p>
-            <a:pPr lvl="0"/>
-            <a:r>
-              <a:rPr lang="en-US" dirty="0" err="1" smtClean="0"/>
+            <a:endParaRPr lang="ru-RU" sz="1600" dirty="0" smtClean="0"/>
+          </a:p>
+          <a:p>
+            <a:pPr lvl="0">
+              <a:lnSpc>
+                <a:spcPct val="100000"/>
+              </a:lnSpc>
+            </a:pPr>
+            <a:r>
+              <a:rPr lang="ru-RU" sz="1600" dirty="0" smtClean="0"/>
+              <a:t>Веб-интерфейс для администрирования БД </a:t>
+            </a:r>
+            <a:r>
+              <a:rPr lang="en-US" sz="1600" dirty="0" err="1" smtClean="0"/>
               <a:t>PhpMyAdmin</a:t>
             </a:r>
-            <a:endParaRPr lang="ru-RU" dirty="0" smtClean="0"/>
-          </a:p>
-          <a:p>
-            <a:pPr lvl="0"/>
-            <a:r>
-              <a:rPr lang="en-US" dirty="0" err="1" smtClean="0"/>
+            <a:endParaRPr lang="ru-RU" sz="1600" dirty="0" smtClean="0"/>
+          </a:p>
+          <a:p>
+            <a:pPr lvl="0">
+              <a:lnSpc>
+                <a:spcPct val="100000"/>
+              </a:lnSpc>
+            </a:pPr>
+            <a:r>
+              <a:rPr lang="ru-RU" sz="1600" dirty="0" smtClean="0"/>
+              <a:t>Программный комплекс </a:t>
+            </a:r>
+            <a:r>
+              <a:rPr lang="en-US" sz="1600" dirty="0" err="1" smtClean="0"/>
               <a:t>OpenServer</a:t>
             </a:r>
             <a:r>
-              <a:rPr lang="ru-RU" dirty="0" smtClean="0"/>
-              <a:t>(</a:t>
-            </a:r>
-            <a:r>
-              <a:rPr lang="en-US" dirty="0" smtClean="0"/>
+              <a:rPr lang="ru-RU" sz="1600" dirty="0" smtClean="0"/>
+              <a:t>(сервер </a:t>
+            </a:r>
+            <a:r>
+              <a:rPr lang="en-US" sz="1600" dirty="0" smtClean="0"/>
               <a:t>Apache</a:t>
             </a:r>
             <a:r>
-              <a:rPr lang="ru-RU" dirty="0" smtClean="0"/>
+              <a:rPr lang="ru-RU" sz="1600" dirty="0" smtClean="0"/>
               <a:t>)</a:t>
             </a:r>
-            <a:endParaRPr lang="en-US" dirty="0" smtClean="0"/>
-          </a:p>
-          <a:p>
-            <a:pPr lvl="0"/>
-            <a:r>
-              <a:rPr lang="en-US" dirty="0" smtClean="0"/>
-              <a:t>SMTP</a:t>
-            </a:r>
-          </a:p>
-          <a:p>
-            <a:pPr lvl="0"/>
-            <a:r>
-              <a:rPr lang="en-US" dirty="0" smtClean="0"/>
+            <a:endParaRPr lang="en-US" sz="1600" dirty="0" smtClean="0"/>
+          </a:p>
+          <a:p>
+            <a:pPr lvl="0">
+              <a:lnSpc>
+                <a:spcPct val="100000"/>
+              </a:lnSpc>
+            </a:pPr>
+            <a:r>
+              <a:rPr lang="ru-RU" sz="1600" dirty="0" smtClean="0"/>
+              <a:t>Среда разработки </a:t>
+            </a:r>
+            <a:r>
+              <a:rPr lang="en-US" sz="1600" dirty="0" smtClean="0"/>
               <a:t>Visual Studio Code</a:t>
             </a:r>
-            <a:endParaRPr lang="ru-RU" dirty="0"/>
+            <a:endParaRPr lang="ru-RU" sz="1600" dirty="0"/>
           </a:p>
         </p:txBody>
       </p:sp>
@@ -5433,7 +6162,7 @@
             <a:pPr lvl="0"/>
             <a:r>
               <a:rPr lang="ru-RU" dirty="0" smtClean="0"/>
-              <a:t>Онлайн составление и отправка формы </a:t>
+              <a:t>Онлайн-составление и отправка формы </a:t>
             </a:r>
           </a:p>
           <a:p>
@@ -5903,8 +6632,8 @@
         </p:nvSpPr>
         <p:spPr>
           <a:xfrm>
-            <a:off x="727074" y="380838"/>
-            <a:ext cx="4254501" cy="676437"/>
+            <a:off x="684213" y="439207"/>
+            <a:ext cx="4554538" cy="624687"/>
           </a:xfrm>
         </p:spPr>
         <p:txBody>
@@ -5912,8 +6641,8 @@
           <a:lstStyle/>
           <a:p>
             <a:r>
-              <a:rPr lang="ru-RU" dirty="0"/>
-              <a:t>разработка</a:t>
+              <a:rPr lang="en-US" dirty="0" smtClean="0"/>
+              <a:t>Add</a:t>
             </a:r>
             <a:endParaRPr lang="ru-RU" dirty="0"/>
           </a:p>
@@ -5931,8 +6660,8 @@
         </p:nvSpPr>
         <p:spPr>
           <a:xfrm>
-            <a:off x="684212" y="1876262"/>
-            <a:ext cx="4511631" cy="1553796"/>
+            <a:off x="684213" y="1162050"/>
+            <a:ext cx="4687888" cy="4142574"/>
           </a:xfrm>
         </p:spPr>
         <p:txBody>
@@ -5941,430 +6670,11 @@
           </a:bodyPr>
           <a:lstStyle/>
           <a:p>
-            <a:pPr lvl="0"/>
-            <a:r>
-              <a:rPr lang="en-US" dirty="0" smtClean="0"/>
-              <a:t>AJAX</a:t>
-            </a:r>
-          </a:p>
-          <a:p>
-            <a:pPr lvl="0"/>
-            <a:r>
-              <a:rPr lang="en-US" dirty="0" smtClean="0"/>
-              <a:t>FETCH</a:t>
-            </a:r>
-          </a:p>
-          <a:p>
-            <a:pPr lvl="0"/>
-            <a:r>
-              <a:rPr lang="en-US" dirty="0" smtClean="0"/>
-              <a:t>PHP</a:t>
-            </a:r>
-            <a:endParaRPr lang="ru-RU" dirty="0" smtClean="0"/>
-          </a:p>
-        </p:txBody>
-      </p:sp>
-      <p:sp>
-        <p:nvSpPr>
-          <p:cNvPr id="7" name="Заголовок 1"/>
-          <p:cNvSpPr txBox="1">
-            <a:spLocks/>
-          </p:cNvSpPr>
-          <p:nvPr/>
-        </p:nvSpPr>
-        <p:spPr>
-          <a:xfrm>
-            <a:off x="684212" y="1129312"/>
-            <a:ext cx="4297363" cy="674913"/>
-          </a:xfrm>
-          <a:prstGeom prst="rect">
-            <a:avLst/>
-          </a:prstGeom>
-          <a:effectLst/>
-        </p:spPr>
-        <p:txBody>
-          <a:bodyPr vert="horz" lIns="91440" tIns="45720" rIns="91440" bIns="45720" rtlCol="0" anchor="ctr">
-            <a:normAutofit/>
-          </a:bodyPr>
-          <a:lstStyle>
-            <a:lvl1pPr algn="l" defTabSz="457200" rtl="0" eaLnBrk="1" latinLnBrk="0" hangingPunct="1">
-              <a:spcBef>
-                <a:spcPct val="0"/>
-              </a:spcBef>
-              <a:buNone/>
-              <a:defRPr sz="3600" kern="1200" cap="all">
-                <a:ln w="3175" cmpd="sng">
-                  <a:noFill/>
-                </a:ln>
-                <a:solidFill>
-                  <a:schemeClr val="tx1"/>
-                </a:solidFill>
-                <a:effectLst/>
-                <a:latin typeface="+mj-lt"/>
-                <a:ea typeface="+mj-ea"/>
-                <a:cs typeface="+mj-cs"/>
-              </a:defRPr>
-            </a:lvl1pPr>
-            <a:lvl2pPr eaLnBrk="1" hangingPunct="1">
-              <a:defRPr>
-                <a:solidFill>
-                  <a:schemeClr val="tx2"/>
-                </a:solidFill>
-              </a:defRPr>
-            </a:lvl2pPr>
-            <a:lvl3pPr eaLnBrk="1" hangingPunct="1">
-              <a:defRPr>
-                <a:solidFill>
-                  <a:schemeClr val="tx2"/>
-                </a:solidFill>
-              </a:defRPr>
-            </a:lvl3pPr>
-            <a:lvl4pPr eaLnBrk="1" hangingPunct="1">
-              <a:defRPr>
-                <a:solidFill>
-                  <a:schemeClr val="tx2"/>
-                </a:solidFill>
-              </a:defRPr>
-            </a:lvl4pPr>
-            <a:lvl5pPr eaLnBrk="1" hangingPunct="1">
-              <a:defRPr>
-                <a:solidFill>
-                  <a:schemeClr val="tx2"/>
-                </a:solidFill>
-              </a:defRPr>
-            </a:lvl5pPr>
-            <a:lvl6pPr eaLnBrk="1" hangingPunct="1">
-              <a:defRPr>
-                <a:solidFill>
-                  <a:schemeClr val="tx2"/>
-                </a:solidFill>
-              </a:defRPr>
-            </a:lvl6pPr>
-            <a:lvl7pPr eaLnBrk="1" hangingPunct="1">
-              <a:defRPr>
-                <a:solidFill>
-                  <a:schemeClr val="tx2"/>
-                </a:solidFill>
-              </a:defRPr>
-            </a:lvl7pPr>
-            <a:lvl8pPr eaLnBrk="1" hangingPunct="1">
-              <a:defRPr>
-                <a:solidFill>
-                  <a:schemeClr val="tx2"/>
-                </a:solidFill>
-              </a:defRPr>
-            </a:lvl8pPr>
-            <a:lvl9pPr eaLnBrk="1" hangingPunct="1">
-              <a:defRPr>
-                <a:solidFill>
-                  <a:schemeClr val="tx2"/>
-                </a:solidFill>
-              </a:defRPr>
-            </a:lvl9pPr>
-          </a:lstStyle>
-          <a:p>
             <a:r>
               <a:rPr lang="ru-RU" dirty="0" smtClean="0"/>
-              <a:t>серверная часть</a:t>
+              <a:t>В</a:t>
             </a:r>
             <a:endParaRPr lang="ru-RU" dirty="0"/>
-          </a:p>
-        </p:txBody>
-      </p:sp>
-      <p:sp>
-        <p:nvSpPr>
-          <p:cNvPr id="12" name="Объект 2"/>
-          <p:cNvSpPr txBox="1">
-            <a:spLocks/>
-          </p:cNvSpPr>
-          <p:nvPr/>
-        </p:nvSpPr>
-        <p:spPr>
-          <a:xfrm>
-            <a:off x="727074" y="3502095"/>
-            <a:ext cx="4511631" cy="2042512"/>
-          </a:xfrm>
-          <a:prstGeom prst="rect">
-            <a:avLst/>
-          </a:prstGeom>
-        </p:spPr>
-        <p:txBody>
-          <a:bodyPr vert="horz" lIns="91440" tIns="45720" rIns="91440" bIns="45720" rtlCol="0" anchor="t">
-            <a:normAutofit/>
-          </a:bodyPr>
-          <a:lstStyle>
-            <a:lvl1pPr marL="285750" indent="-285750" algn="l" defTabSz="457200" rtl="0" eaLnBrk="1" latinLnBrk="0" hangingPunct="1">
-              <a:spcBef>
-                <a:spcPct val="20000"/>
-              </a:spcBef>
-              <a:spcAft>
-                <a:spcPts val="600"/>
-              </a:spcAft>
-              <a:buClr>
-                <a:schemeClr val="tx1"/>
-              </a:buClr>
-              <a:buSzPct val="80000"/>
-              <a:buFont typeface="Wingdings 3" panose="05040102010807070707" pitchFamily="18" charset="2"/>
-              <a:buChar char=""/>
-              <a:defRPr sz="2000" kern="1200" cap="none">
-                <a:solidFill>
-                  <a:schemeClr val="bg2">
-                    <a:lumMod val="50000"/>
-                  </a:schemeClr>
-                </a:solidFill>
-                <a:effectLst/>
-                <a:latin typeface="+mn-lt"/>
-                <a:ea typeface="+mn-ea"/>
-                <a:cs typeface="+mn-cs"/>
-              </a:defRPr>
-            </a:lvl1pPr>
-            <a:lvl2pPr marL="742950" indent="-285750" algn="l" defTabSz="457200" rtl="0" eaLnBrk="1" latinLnBrk="0" hangingPunct="1">
-              <a:spcBef>
-                <a:spcPct val="20000"/>
-              </a:spcBef>
-              <a:spcAft>
-                <a:spcPts val="600"/>
-              </a:spcAft>
-              <a:buClr>
-                <a:schemeClr val="tx1"/>
-              </a:buClr>
-              <a:buSzPct val="80000"/>
-              <a:buFont typeface="Wingdings 3" panose="05040102010807070707" pitchFamily="18" charset="2"/>
-              <a:buChar char=""/>
-              <a:defRPr sz="1800" kern="1200" cap="none">
-                <a:solidFill>
-                  <a:schemeClr val="bg2">
-                    <a:lumMod val="50000"/>
-                  </a:schemeClr>
-                </a:solidFill>
-                <a:effectLst/>
-                <a:latin typeface="+mn-lt"/>
-                <a:ea typeface="+mn-ea"/>
-                <a:cs typeface="+mn-cs"/>
-              </a:defRPr>
-            </a:lvl2pPr>
-            <a:lvl3pPr marL="1200150" indent="-285750" algn="l" defTabSz="457200" rtl="0" eaLnBrk="1" latinLnBrk="0" hangingPunct="1">
-              <a:spcBef>
-                <a:spcPct val="20000"/>
-              </a:spcBef>
-              <a:spcAft>
-                <a:spcPts val="600"/>
-              </a:spcAft>
-              <a:buClr>
-                <a:schemeClr val="tx1"/>
-              </a:buClr>
-              <a:buSzPct val="80000"/>
-              <a:buFont typeface="Wingdings 3" panose="05040102010807070707" pitchFamily="18" charset="2"/>
-              <a:buChar char=""/>
-              <a:defRPr sz="1600" kern="1200" cap="none">
-                <a:solidFill>
-                  <a:schemeClr val="bg2">
-                    <a:lumMod val="50000"/>
-                  </a:schemeClr>
-                </a:solidFill>
-                <a:effectLst/>
-                <a:latin typeface="+mn-lt"/>
-                <a:ea typeface="+mn-ea"/>
-                <a:cs typeface="+mn-cs"/>
-              </a:defRPr>
-            </a:lvl3pPr>
-            <a:lvl4pPr marL="1543050" indent="-171450" algn="l" defTabSz="457200" rtl="0" eaLnBrk="1" latinLnBrk="0" hangingPunct="1">
-              <a:spcBef>
-                <a:spcPct val="20000"/>
-              </a:spcBef>
-              <a:spcAft>
-                <a:spcPts val="600"/>
-              </a:spcAft>
-              <a:buClr>
-                <a:schemeClr val="tx1"/>
-              </a:buClr>
-              <a:buSzPct val="80000"/>
-              <a:buFont typeface="Wingdings 3" panose="05040102010807070707" pitchFamily="18" charset="2"/>
-              <a:buChar char=""/>
-              <a:defRPr sz="1400" kern="1200" cap="none">
-                <a:solidFill>
-                  <a:schemeClr val="bg2">
-                    <a:lumMod val="50000"/>
-                  </a:schemeClr>
-                </a:solidFill>
-                <a:effectLst/>
-                <a:latin typeface="+mn-lt"/>
-                <a:ea typeface="+mn-ea"/>
-                <a:cs typeface="+mn-cs"/>
-              </a:defRPr>
-            </a:lvl4pPr>
-            <a:lvl5pPr marL="2114550" indent="-285750" algn="l" defTabSz="457200" rtl="0" eaLnBrk="1" latinLnBrk="0" hangingPunct="1">
-              <a:spcBef>
-                <a:spcPct val="20000"/>
-              </a:spcBef>
-              <a:spcAft>
-                <a:spcPts val="600"/>
-              </a:spcAft>
-              <a:buClr>
-                <a:schemeClr val="tx1"/>
-              </a:buClr>
-              <a:buSzPct val="80000"/>
-              <a:buFont typeface="Wingdings 3" panose="05040102010807070707" pitchFamily="18" charset="2"/>
-              <a:buChar char=""/>
-              <a:defRPr sz="1400" kern="1200" cap="none">
-                <a:solidFill>
-                  <a:schemeClr val="bg2">
-                    <a:lumMod val="50000"/>
-                  </a:schemeClr>
-                </a:solidFill>
-                <a:effectLst/>
-                <a:latin typeface="+mn-lt"/>
-                <a:ea typeface="+mn-ea"/>
-                <a:cs typeface="+mn-cs"/>
-              </a:defRPr>
-            </a:lvl5pPr>
-            <a:lvl6pPr marL="2514600" indent="-228600" algn="l" defTabSz="457200" rtl="0" eaLnBrk="1" latinLnBrk="0" hangingPunct="1">
-              <a:spcBef>
-                <a:spcPct val="20000"/>
-              </a:spcBef>
-              <a:spcAft>
-                <a:spcPts val="600"/>
-              </a:spcAft>
-              <a:buClr>
-                <a:schemeClr val="tx1"/>
-              </a:buClr>
-              <a:buSzPct val="80000"/>
-              <a:buFont typeface="Wingdings 3" panose="05040102010807070707" pitchFamily="18" charset="2"/>
-              <a:buChar char=""/>
-              <a:defRPr sz="1400" kern="1200" cap="none">
-                <a:solidFill>
-                  <a:schemeClr val="bg2">
-                    <a:lumMod val="50000"/>
-                  </a:schemeClr>
-                </a:solidFill>
-                <a:effectLst/>
-                <a:latin typeface="+mn-lt"/>
-                <a:ea typeface="+mn-ea"/>
-                <a:cs typeface="+mn-cs"/>
-              </a:defRPr>
-            </a:lvl6pPr>
-            <a:lvl7pPr marL="2971800" indent="-228600" algn="l" defTabSz="457200" rtl="0" eaLnBrk="1" latinLnBrk="0" hangingPunct="1">
-              <a:spcBef>
-                <a:spcPct val="20000"/>
-              </a:spcBef>
-              <a:spcAft>
-                <a:spcPts val="600"/>
-              </a:spcAft>
-              <a:buClr>
-                <a:schemeClr val="tx1"/>
-              </a:buClr>
-              <a:buSzPct val="80000"/>
-              <a:buFont typeface="Wingdings 3" panose="05040102010807070707" pitchFamily="18" charset="2"/>
-              <a:buChar char=""/>
-              <a:defRPr sz="1400" kern="1200" cap="none">
-                <a:solidFill>
-                  <a:schemeClr val="bg2">
-                    <a:lumMod val="50000"/>
-                  </a:schemeClr>
-                </a:solidFill>
-                <a:effectLst/>
-                <a:latin typeface="+mn-lt"/>
-                <a:ea typeface="+mn-ea"/>
-                <a:cs typeface="+mn-cs"/>
-              </a:defRPr>
-            </a:lvl7pPr>
-            <a:lvl8pPr marL="3429000" indent="-228600" algn="l" defTabSz="457200" rtl="0" eaLnBrk="1" latinLnBrk="0" hangingPunct="1">
-              <a:spcBef>
-                <a:spcPct val="20000"/>
-              </a:spcBef>
-              <a:spcAft>
-                <a:spcPts val="600"/>
-              </a:spcAft>
-              <a:buClr>
-                <a:schemeClr val="tx1"/>
-              </a:buClr>
-              <a:buSzPct val="80000"/>
-              <a:buFont typeface="Wingdings 3" panose="05040102010807070707" pitchFamily="18" charset="2"/>
-              <a:buChar char=""/>
-              <a:defRPr sz="1400" kern="1200" cap="none">
-                <a:solidFill>
-                  <a:schemeClr val="bg2">
-                    <a:lumMod val="50000"/>
-                  </a:schemeClr>
-                </a:solidFill>
-                <a:effectLst/>
-                <a:latin typeface="+mn-lt"/>
-                <a:ea typeface="+mn-ea"/>
-                <a:cs typeface="+mn-cs"/>
-              </a:defRPr>
-            </a:lvl8pPr>
-            <a:lvl9pPr marL="3886200" indent="-228600" algn="l" defTabSz="457200" rtl="0" eaLnBrk="1" latinLnBrk="0" hangingPunct="1">
-              <a:spcBef>
-                <a:spcPct val="20000"/>
-              </a:spcBef>
-              <a:spcAft>
-                <a:spcPts val="600"/>
-              </a:spcAft>
-              <a:buClr>
-                <a:schemeClr val="tx1"/>
-              </a:buClr>
-              <a:buSzPct val="80000"/>
-              <a:buFont typeface="Wingdings 3" panose="05040102010807070707" pitchFamily="18" charset="2"/>
-              <a:buChar char=""/>
-              <a:defRPr sz="1400" kern="1200" cap="none">
-                <a:solidFill>
-                  <a:schemeClr val="bg2">
-                    <a:lumMod val="50000"/>
-                  </a:schemeClr>
-                </a:solidFill>
-                <a:effectLst/>
-                <a:latin typeface="+mn-lt"/>
-                <a:ea typeface="+mn-ea"/>
-                <a:cs typeface="+mn-cs"/>
-              </a:defRPr>
-            </a:lvl9pPr>
-          </a:lstStyle>
-          <a:p>
-            <a:pPr marL="0" indent="0">
-              <a:buNone/>
-            </a:pPr>
-            <a:r>
-              <a:rPr lang="ru-RU" dirty="0" smtClean="0">
-                <a:solidFill>
-                  <a:schemeClr val="tx1"/>
-                </a:solidFill>
-              </a:rPr>
-              <a:t>На сервере происходит обработка запросов на запись и извлечение данных, а также отправка формы заказа на почту компании.</a:t>
-            </a:r>
-          </a:p>
-          <a:p>
-            <a:pPr marL="0" indent="0">
-              <a:buNone/>
-            </a:pPr>
-            <a:r>
-              <a:rPr lang="ru-RU" dirty="0" smtClean="0">
-                <a:solidFill>
-                  <a:schemeClr val="tx1"/>
-                </a:solidFill>
-              </a:rPr>
-              <a:t>Модульная </a:t>
-            </a:r>
-            <a:r>
-              <a:rPr lang="ru-RU" dirty="0" err="1" smtClean="0">
-                <a:solidFill>
-                  <a:schemeClr val="tx1"/>
-                </a:solidFill>
-              </a:rPr>
-              <a:t>отрисовка</a:t>
-            </a:r>
-            <a:r>
-              <a:rPr lang="ru-RU" dirty="0" smtClean="0">
-                <a:solidFill>
-                  <a:schemeClr val="tx1"/>
-                </a:solidFill>
-              </a:rPr>
-              <a:t> страницы</a:t>
-            </a:r>
-            <a:endParaRPr lang="ru-RU" dirty="0" smtClean="0">
-              <a:solidFill>
-                <a:schemeClr val="tx1"/>
-              </a:solidFill>
-            </a:endParaRPr>
           </a:p>
         </p:txBody>
       </p:sp>
@@ -6384,8 +6694,8 @@
         </p:blipFill>
         <p:spPr>
           <a:xfrm>
-            <a:off x="5837911" y="380838"/>
-            <a:ext cx="5487314" cy="1938106"/>
+            <a:off x="5372101" y="606694"/>
+            <a:ext cx="5271456" cy="2717531"/>
           </a:xfrm>
           <a:prstGeom prst="rect">
             <a:avLst/>
@@ -6400,15 +6710,16 @@
           </p:cNvPicPr>
           <p:nvPr/>
         </p:nvPicPr>
-        <p:blipFill rotWithShape="1">
+        <p:blipFill>
           <a:blip r:embed="rId3"/>
-          <a:srcRect r="12610"/>
-          <a:stretch/>
+          <a:stretch>
+            <a:fillRect/>
+          </a:stretch>
         </p:blipFill>
         <p:spPr>
           <a:xfrm>
-            <a:off x="5837911" y="2413934"/>
-            <a:ext cx="5487314" cy="3602785"/>
+            <a:off x="6678512" y="2676897"/>
+            <a:ext cx="5248050" cy="2709741"/>
           </a:xfrm>
           <a:prstGeom prst="rect">
             <a:avLst/>
@@ -6418,7 +6729,7 @@
     </p:spTree>
     <p:extLst>
       <p:ext uri="{BB962C8B-B14F-4D97-AF65-F5344CB8AC3E}">
-        <p14:creationId xmlns:p14="http://schemas.microsoft.com/office/powerpoint/2010/main" val="1765774208"/>
+        <p14:creationId xmlns:p14="http://schemas.microsoft.com/office/powerpoint/2010/main" val="3472177789"/>
       </p:ext>
     </p:extLst>
   </p:cSld>
@@ -6457,8 +6768,8 @@
         </p:nvSpPr>
         <p:spPr>
           <a:xfrm>
-            <a:off x="681351" y="380838"/>
-            <a:ext cx="4735513" cy="657387"/>
+            <a:off x="727074" y="380838"/>
+            <a:ext cx="4254501" cy="676437"/>
           </a:xfrm>
         </p:spPr>
         <p:txBody>
@@ -6469,7 +6780,6 @@
               <a:rPr lang="ru-RU" dirty="0"/>
               <a:t>разработка</a:t>
             </a:r>
-            <a:endParaRPr lang="ru-RU" dirty="0"/>
           </a:p>
         </p:txBody>
       </p:sp>
@@ -6485,37 +6795,48 @@
         </p:nvSpPr>
         <p:spPr>
           <a:xfrm>
-            <a:off x="684212" y="2286000"/>
-            <a:ext cx="4511631" cy="1323975"/>
+            <a:off x="684212" y="1876262"/>
+            <a:ext cx="4511631" cy="1553796"/>
           </a:xfrm>
         </p:spPr>
         <p:txBody>
           <a:bodyPr>
-            <a:normAutofit fontScale="92500" lnSpcReduction="10000"/>
+            <a:normAutofit/>
           </a:bodyPr>
           <a:lstStyle/>
           <a:p>
             <a:pPr lvl="0"/>
             <a:r>
               <a:rPr lang="ru-RU" dirty="0" smtClean="0"/>
-              <a:t>Статистика</a:t>
-            </a:r>
-            <a:endParaRPr lang="en-US" dirty="0" smtClean="0"/>
+              <a:t>Технология </a:t>
+            </a:r>
+            <a:r>
+              <a:rPr lang="en-US" dirty="0" smtClean="0"/>
+              <a:t>AJAX</a:t>
+            </a:r>
           </a:p>
           <a:p>
             <a:pPr lvl="0"/>
             <a:r>
+              <a:rPr lang="ru-RU" dirty="0"/>
+              <a:t>Технология </a:t>
+            </a:r>
+            <a:r>
+              <a:rPr lang="en-US" dirty="0" smtClean="0"/>
+              <a:t>FETCH</a:t>
+            </a:r>
+          </a:p>
+          <a:p>
+            <a:pPr lvl="0"/>
+            <a:r>
               <a:rPr lang="ru-RU" dirty="0" smtClean="0"/>
-              <a:t>Пользователи</a:t>
-            </a:r>
-            <a:endParaRPr lang="en-US" dirty="0" smtClean="0"/>
-          </a:p>
-          <a:p>
-            <a:pPr lvl="0"/>
-            <a:r>
-              <a:rPr lang="ru-RU" dirty="0" smtClean="0"/>
-              <a:t>Заказы</a:t>
-            </a:r>
+              <a:t>Язык программирования </a:t>
+            </a:r>
+            <a:r>
+              <a:rPr lang="en-US" dirty="0" smtClean="0"/>
+              <a:t>PHP</a:t>
+            </a:r>
+            <a:endParaRPr lang="ru-RU" dirty="0" smtClean="0"/>
           </a:p>
         </p:txBody>
       </p:sp>
@@ -6529,8 +6850,8 @@
         </p:nvSpPr>
         <p:spPr>
           <a:xfrm>
-            <a:off x="684212" y="1162050"/>
-            <a:ext cx="4735513" cy="647700"/>
+            <a:off x="684212" y="1129312"/>
+            <a:ext cx="4297363" cy="674913"/>
           </a:xfrm>
           <a:prstGeom prst="rect">
             <a:avLst/>
@@ -6618,10 +6939,9 @@
             </a:lvl9pPr>
           </a:lstStyle>
           <a:p>
-            <a:pPr algn="ctr"/>
             <a:r>
               <a:rPr lang="ru-RU" dirty="0" smtClean="0"/>
-              <a:t>Админ-панель</a:t>
+              <a:t>серверная часть</a:t>
             </a:r>
             <a:endParaRPr lang="ru-RU" dirty="0"/>
           </a:p>
@@ -6637,8 +6957,8 @@
         </p:nvSpPr>
         <p:spPr>
           <a:xfrm>
-            <a:off x="684212" y="3724275"/>
-            <a:ext cx="4511631" cy="2114550"/>
+            <a:off x="727074" y="3502095"/>
+            <a:ext cx="4511631" cy="2042512"/>
           </a:xfrm>
           <a:prstGeom prst="rect">
             <a:avLst/>
@@ -6885,19 +7205,43 @@
                   <a:schemeClr val="tx1"/>
                 </a:solidFill>
               </a:rPr>
-              <a:t>Админ-панель – предоставляет функционал работы с данными из базы данных, а также обработку и вывод аналитических расчетов в графическом виде</a:t>
-            </a:r>
-            <a:endParaRPr lang="ru-RU" dirty="0" smtClean="0">
-              <a:solidFill>
-                <a:schemeClr val="tx1"/>
-              </a:solidFill>
-            </a:endParaRPr>
+              <a:t>На сервере происходит обработка запросов на запись и извлечение данных, а также отправка формы заказа на почту компании.</a:t>
+            </a:r>
+          </a:p>
+          <a:p>
+            <a:pPr marL="0" indent="0">
+              <a:buNone/>
+            </a:pPr>
+            <a:r>
+              <a:rPr lang="ru-RU" dirty="0" smtClean="0">
+                <a:solidFill>
+                  <a:schemeClr val="tx1"/>
+                </a:solidFill>
+              </a:rPr>
+              <a:t>Модульная </a:t>
+            </a:r>
+            <a:r>
+              <a:rPr lang="ru-RU" dirty="0" err="1" smtClean="0">
+                <a:solidFill>
+                  <a:schemeClr val="tx1"/>
+                </a:solidFill>
+              </a:rPr>
+              <a:t>отрисовка</a:t>
+            </a:r>
+            <a:r>
+              <a:rPr lang="ru-RU" dirty="0" smtClean="0">
+                <a:solidFill>
+                  <a:schemeClr val="tx1"/>
+                </a:solidFill>
+              </a:rPr>
+              <a:t> страницы</a:t>
+            </a:r>
           </a:p>
         </p:txBody>
       </p:sp>
       <p:pic>
         <p:nvPicPr>
-          <p:cNvPr id="9" name="Рисунок 8"/>
+          <p:cNvPr id="4" name="Рисунок 3"/>
           <p:cNvPicPr>
             <a:picLocks noChangeAspect="1"/>
           </p:cNvPicPr>
@@ -6911,8 +7255,8 @@
         </p:blipFill>
         <p:spPr>
           <a:xfrm>
-            <a:off x="5195843" y="261453"/>
-            <a:ext cx="4338682" cy="4792271"/>
+            <a:off x="5837911" y="380838"/>
+            <a:ext cx="5487314" cy="1938106"/>
           </a:xfrm>
           <a:prstGeom prst="rect">
             <a:avLst/>
@@ -6921,22 +7265,21 @@
       </p:pic>
       <p:pic>
         <p:nvPicPr>
-          <p:cNvPr id="8" name="Рисунок 7"/>
+          <p:cNvPr id="5" name="Рисунок 4"/>
           <p:cNvPicPr>
             <a:picLocks noChangeAspect="1"/>
           </p:cNvPicPr>
           <p:nvPr/>
         </p:nvPicPr>
-        <p:blipFill>
+        <p:blipFill rotWithShape="1">
           <a:blip r:embed="rId3"/>
-          <a:stretch>
-            <a:fillRect/>
-          </a:stretch>
+          <a:srcRect r="12610"/>
+          <a:stretch/>
         </p:blipFill>
         <p:spPr>
           <a:xfrm>
-            <a:off x="7717502" y="2209638"/>
-            <a:ext cx="4128259" cy="3695862"/>
+            <a:off x="5837911" y="2413934"/>
+            <a:ext cx="5487314" cy="3602785"/>
           </a:xfrm>
           <a:prstGeom prst="rect">
             <a:avLst/>
@@ -6946,7 +7289,7 @@
     </p:spTree>
     <p:extLst>
       <p:ext uri="{BB962C8B-B14F-4D97-AF65-F5344CB8AC3E}">
-        <p14:creationId xmlns:p14="http://schemas.microsoft.com/office/powerpoint/2010/main" val="369815128"/>
+        <p14:creationId xmlns:p14="http://schemas.microsoft.com/office/powerpoint/2010/main" val="1765774208"/>
       </p:ext>
     </p:extLst>
   </p:cSld>

--- a/Гунгер Диплом презентация.pptx
+++ b/Гунгер Диплом презентация.pptx
@@ -265,7 +265,7 @@
           <a:p>
             <a:fld id="{CF3D5562-7FFD-4BB5-9509-D81E0856D57A}" type="datetimeFigureOut">
               <a:rPr lang="ru-RU" smtClean="0"/>
-              <a:t>06.06.2021</a:t>
+              <a:t>08.06.2021</a:t>
             </a:fld>
             <a:endParaRPr lang="ru-RU"/>
           </a:p>
@@ -445,7 +445,7 @@
           <a:p>
             <a:fld id="{CF3D5562-7FFD-4BB5-9509-D81E0856D57A}" type="datetimeFigureOut">
               <a:rPr lang="ru-RU" smtClean="0"/>
-              <a:t>06.06.2021</a:t>
+              <a:t>08.06.2021</a:t>
             </a:fld>
             <a:endParaRPr lang="ru-RU"/>
           </a:p>
@@ -629,7 +629,7 @@
           <a:p>
             <a:fld id="{CF3D5562-7FFD-4BB5-9509-D81E0856D57A}" type="datetimeFigureOut">
               <a:rPr lang="ru-RU" smtClean="0"/>
-              <a:t>06.06.2021</a:t>
+              <a:t>08.06.2021</a:t>
             </a:fld>
             <a:endParaRPr lang="ru-RU"/>
           </a:p>
@@ -799,7 +799,7 @@
           <a:p>
             <a:fld id="{CF3D5562-7FFD-4BB5-9509-D81E0856D57A}" type="datetimeFigureOut">
               <a:rPr lang="ru-RU" smtClean="0"/>
-              <a:t>06.06.2021</a:t>
+              <a:t>08.06.2021</a:t>
             </a:fld>
             <a:endParaRPr lang="ru-RU"/>
           </a:p>
@@ -1047,7 +1047,7 @@
           <a:p>
             <a:fld id="{CF3D5562-7FFD-4BB5-9509-D81E0856D57A}" type="datetimeFigureOut">
               <a:rPr lang="ru-RU" smtClean="0"/>
-              <a:t>06.06.2021</a:t>
+              <a:t>08.06.2021</a:t>
             </a:fld>
             <a:endParaRPr lang="ru-RU"/>
           </a:p>
@@ -1284,7 +1284,7 @@
           <a:p>
             <a:fld id="{CF3D5562-7FFD-4BB5-9509-D81E0856D57A}" type="datetimeFigureOut">
               <a:rPr lang="ru-RU" smtClean="0"/>
-              <a:t>06.06.2021</a:t>
+              <a:t>08.06.2021</a:t>
             </a:fld>
             <a:endParaRPr lang="ru-RU"/>
           </a:p>
@@ -1674,7 +1674,7 @@
           <a:p>
             <a:fld id="{CF3D5562-7FFD-4BB5-9509-D81E0856D57A}" type="datetimeFigureOut">
               <a:rPr lang="ru-RU" smtClean="0"/>
-              <a:t>06.06.2021</a:t>
+              <a:t>08.06.2021</a:t>
             </a:fld>
             <a:endParaRPr lang="ru-RU"/>
           </a:p>
@@ -1797,7 +1797,7 @@
           <a:p>
             <a:fld id="{CF3D5562-7FFD-4BB5-9509-D81E0856D57A}" type="datetimeFigureOut">
               <a:rPr lang="ru-RU" smtClean="0"/>
-              <a:t>06.06.2021</a:t>
+              <a:t>08.06.2021</a:t>
             </a:fld>
             <a:endParaRPr lang="ru-RU"/>
           </a:p>
@@ -1892,7 +1892,7 @@
           <a:p>
             <a:fld id="{CF3D5562-7FFD-4BB5-9509-D81E0856D57A}" type="datetimeFigureOut">
               <a:rPr lang="ru-RU" smtClean="0"/>
-              <a:t>06.06.2021</a:t>
+              <a:t>08.06.2021</a:t>
             </a:fld>
             <a:endParaRPr lang="ru-RU"/>
           </a:p>
@@ -2143,7 +2143,7 @@
           <a:p>
             <a:fld id="{CF3D5562-7FFD-4BB5-9509-D81E0856D57A}" type="datetimeFigureOut">
               <a:rPr lang="ru-RU" smtClean="0"/>
-              <a:t>06.06.2021</a:t>
+              <a:t>08.06.2021</a:t>
             </a:fld>
             <a:endParaRPr lang="ru-RU"/>
           </a:p>
@@ -2539,7 +2539,7 @@
           <a:p>
             <a:fld id="{CF3D5562-7FFD-4BB5-9509-D81E0856D57A}" type="datetimeFigureOut">
               <a:rPr lang="ru-RU" smtClean="0"/>
-              <a:t>06.06.2021</a:t>
+              <a:t>08.06.2021</a:t>
             </a:fld>
             <a:endParaRPr lang="ru-RU"/>
           </a:p>
@@ -2756,7 +2756,7 @@
           <a:p>
             <a:fld id="{CF3D5562-7FFD-4BB5-9509-D81E0856D57A}" type="datetimeFigureOut">
               <a:rPr lang="ru-RU" smtClean="0"/>
-              <a:t>06.06.2021</a:t>
+              <a:t>08.06.2021</a:t>
             </a:fld>
             <a:endParaRPr lang="ru-RU"/>
           </a:p>
@@ -3698,10 +3698,9 @@
           <a:lstStyle/>
           <a:p>
             <a:r>
-              <a:rPr lang="en-US" dirty="0"/>
-              <a:t>Add</a:t>
-            </a:r>
-            <a:endParaRPr lang="ru-RU" dirty="0"/>
+              <a:rPr lang="ru-RU" dirty="0"/>
+              <a:t>Изменения</a:t>
+            </a:r>
           </a:p>
         </p:txBody>
       </p:sp>
@@ -3729,15 +3728,48 @@
           <a:p>
             <a:r>
               <a:rPr lang="ru-RU" dirty="0" smtClean="0"/>
-              <a:t>В</a:t>
-            </a:r>
+              <a:t>Правка скриптов для отправки сообщений</a:t>
+            </a:r>
+            <a:endParaRPr lang="en-US" dirty="0" smtClean="0"/>
+          </a:p>
+          <a:p>
+            <a:r>
+              <a:rPr lang="ru-RU" dirty="0" smtClean="0"/>
+              <a:t>Обновление функционала (Админ-панель, сбор данных)</a:t>
+            </a:r>
+          </a:p>
+          <a:p>
+            <a:r>
+              <a:rPr lang="ru-RU" dirty="0" smtClean="0"/>
+              <a:t>Удаление неиспользуемых скриптов</a:t>
+            </a:r>
+          </a:p>
+          <a:p>
+            <a:r>
+              <a:rPr lang="ru-RU" dirty="0" smtClean="0"/>
+              <a:t>Интеграция базы данных как отдельного слоя веб-сервиса</a:t>
+            </a:r>
+          </a:p>
+          <a:p>
+            <a:r>
+              <a:rPr lang="ru-RU" dirty="0" smtClean="0"/>
+              <a:t>Скрипты для обработки пользовательских данных</a:t>
+            </a:r>
+          </a:p>
+          <a:p>
+            <a:endParaRPr lang="ru-RU" dirty="0" smtClean="0"/>
+          </a:p>
+          <a:p>
+            <a:pPr marL="0" indent="0">
+              <a:buNone/>
+            </a:pPr>
             <a:endParaRPr lang="ru-RU" dirty="0"/>
           </a:p>
         </p:txBody>
       </p:sp>
       <p:pic>
         <p:nvPicPr>
-          <p:cNvPr id="4" name="Рисунок 3"/>
+          <p:cNvPr id="6" name="Рисунок 5"/>
           <p:cNvPicPr>
             <a:picLocks noChangeAspect="1"/>
           </p:cNvPicPr>
@@ -3751,8 +3783,8 @@
         </p:blipFill>
         <p:spPr>
           <a:xfrm>
-            <a:off x="5372101" y="606694"/>
-            <a:ext cx="5271456" cy="2717531"/>
+            <a:off x="5652215" y="1162050"/>
+            <a:ext cx="6239746" cy="2543530"/>
           </a:xfrm>
           <a:prstGeom prst="rect">
             <a:avLst/>
@@ -3761,7 +3793,7 @@
       </p:pic>
       <p:pic>
         <p:nvPicPr>
-          <p:cNvPr id="5" name="Рисунок 4"/>
+          <p:cNvPr id="7" name="Рисунок 6"/>
           <p:cNvPicPr>
             <a:picLocks noChangeAspect="1"/>
           </p:cNvPicPr>
@@ -3775,8 +3807,8 @@
         </p:blipFill>
         <p:spPr>
           <a:xfrm>
-            <a:off x="6678512" y="2676897"/>
-            <a:ext cx="5248050" cy="2709741"/>
+            <a:off x="5652215" y="3984288"/>
+            <a:ext cx="6239746" cy="984776"/>
           </a:xfrm>
           <a:prstGeom prst="rect">
             <a:avLst/>
@@ -6641,8 +6673,8 @@
           <a:lstStyle/>
           <a:p>
             <a:r>
-              <a:rPr lang="en-US" dirty="0" smtClean="0"/>
-              <a:t>Add</a:t>
+              <a:rPr lang="ru-RU" dirty="0" smtClean="0"/>
+              <a:t>Изменения</a:t>
             </a:r>
             <a:endParaRPr lang="ru-RU" dirty="0"/>
           </a:p>
@@ -6672,7 +6704,31 @@
           <a:p>
             <a:r>
               <a:rPr lang="ru-RU" dirty="0" smtClean="0"/>
-              <a:t>В</a:t>
+              <a:t>Удаление устаревшей информации</a:t>
+            </a:r>
+          </a:p>
+          <a:p>
+            <a:r>
+              <a:rPr lang="ru-RU" dirty="0" smtClean="0"/>
+              <a:t>Замена изображений на более качественные аналоги</a:t>
+            </a:r>
+          </a:p>
+          <a:p>
+            <a:r>
+              <a:rPr lang="ru-RU" dirty="0" smtClean="0"/>
+              <a:t>Исправление и модификация устаревших скриптов </a:t>
+            </a:r>
+          </a:p>
+          <a:p>
+            <a:r>
+              <a:rPr lang="ru-RU" dirty="0" smtClean="0"/>
+              <a:t>Изменение структуры хранения файлов</a:t>
+            </a:r>
+          </a:p>
+          <a:p>
+            <a:r>
+              <a:rPr lang="ru-RU" dirty="0" smtClean="0"/>
+              <a:t>Оптимизация прежнего кода</a:t>
             </a:r>
             <a:endParaRPr lang="ru-RU" dirty="0"/>
           </a:p>
@@ -6680,7 +6736,7 @@
       </p:sp>
       <p:pic>
         <p:nvPicPr>
-          <p:cNvPr id="4" name="Рисунок 3"/>
+          <p:cNvPr id="6" name="Рисунок 5"/>
           <p:cNvPicPr>
             <a:picLocks noChangeAspect="1"/>
           </p:cNvPicPr>
@@ -6694,8 +6750,8 @@
         </p:blipFill>
         <p:spPr>
           <a:xfrm>
-            <a:off x="5372101" y="606694"/>
-            <a:ext cx="5271456" cy="2717531"/>
+            <a:off x="6252133" y="1063894"/>
+            <a:ext cx="1600423" cy="1838582"/>
           </a:xfrm>
           <a:prstGeom prst="rect">
             <a:avLst/>
@@ -6704,7 +6760,7 @@
       </p:pic>
       <p:pic>
         <p:nvPicPr>
-          <p:cNvPr id="5" name="Рисунок 4"/>
+          <p:cNvPr id="7" name="Рисунок 6"/>
           <p:cNvPicPr>
             <a:picLocks noChangeAspect="1"/>
           </p:cNvPicPr>
@@ -6718,8 +6774,8 @@
         </p:blipFill>
         <p:spPr>
           <a:xfrm>
-            <a:off x="6678512" y="2676897"/>
-            <a:ext cx="5248050" cy="2709741"/>
+            <a:off x="6252134" y="3087494"/>
+            <a:ext cx="5324674" cy="2217130"/>
           </a:xfrm>
           <a:prstGeom prst="rect">
             <a:avLst/>

--- a/Гунгер Диплом презентация.pptx
+++ b/Гунгер Диплом презентация.pptx
@@ -265,7 +265,7 @@
           <a:p>
             <a:fld id="{CF3D5562-7FFD-4BB5-9509-D81E0856D57A}" type="datetimeFigureOut">
               <a:rPr lang="ru-RU" smtClean="0"/>
-              <a:t>08.06.2021</a:t>
+              <a:t>11.06.2021</a:t>
             </a:fld>
             <a:endParaRPr lang="ru-RU"/>
           </a:p>
@@ -445,7 +445,7 @@
           <a:p>
             <a:fld id="{CF3D5562-7FFD-4BB5-9509-D81E0856D57A}" type="datetimeFigureOut">
               <a:rPr lang="ru-RU" smtClean="0"/>
-              <a:t>08.06.2021</a:t>
+              <a:t>11.06.2021</a:t>
             </a:fld>
             <a:endParaRPr lang="ru-RU"/>
           </a:p>
@@ -629,7 +629,7 @@
           <a:p>
             <a:fld id="{CF3D5562-7FFD-4BB5-9509-D81E0856D57A}" type="datetimeFigureOut">
               <a:rPr lang="ru-RU" smtClean="0"/>
-              <a:t>08.06.2021</a:t>
+              <a:t>11.06.2021</a:t>
             </a:fld>
             <a:endParaRPr lang="ru-RU"/>
           </a:p>
@@ -799,7 +799,7 @@
           <a:p>
             <a:fld id="{CF3D5562-7FFD-4BB5-9509-D81E0856D57A}" type="datetimeFigureOut">
               <a:rPr lang="ru-RU" smtClean="0"/>
-              <a:t>08.06.2021</a:t>
+              <a:t>11.06.2021</a:t>
             </a:fld>
             <a:endParaRPr lang="ru-RU"/>
           </a:p>
@@ -1047,7 +1047,7 @@
           <a:p>
             <a:fld id="{CF3D5562-7FFD-4BB5-9509-D81E0856D57A}" type="datetimeFigureOut">
               <a:rPr lang="ru-RU" smtClean="0"/>
-              <a:t>08.06.2021</a:t>
+              <a:t>11.06.2021</a:t>
             </a:fld>
             <a:endParaRPr lang="ru-RU"/>
           </a:p>
@@ -1284,7 +1284,7 @@
           <a:p>
             <a:fld id="{CF3D5562-7FFD-4BB5-9509-D81E0856D57A}" type="datetimeFigureOut">
               <a:rPr lang="ru-RU" smtClean="0"/>
-              <a:t>08.06.2021</a:t>
+              <a:t>11.06.2021</a:t>
             </a:fld>
             <a:endParaRPr lang="ru-RU"/>
           </a:p>
@@ -1674,7 +1674,7 @@
           <a:p>
             <a:fld id="{CF3D5562-7FFD-4BB5-9509-D81E0856D57A}" type="datetimeFigureOut">
               <a:rPr lang="ru-RU" smtClean="0"/>
-              <a:t>08.06.2021</a:t>
+              <a:t>11.06.2021</a:t>
             </a:fld>
             <a:endParaRPr lang="ru-RU"/>
           </a:p>
@@ -1797,7 +1797,7 @@
           <a:p>
             <a:fld id="{CF3D5562-7FFD-4BB5-9509-D81E0856D57A}" type="datetimeFigureOut">
               <a:rPr lang="ru-RU" smtClean="0"/>
-              <a:t>08.06.2021</a:t>
+              <a:t>11.06.2021</a:t>
             </a:fld>
             <a:endParaRPr lang="ru-RU"/>
           </a:p>
@@ -1892,7 +1892,7 @@
           <a:p>
             <a:fld id="{CF3D5562-7FFD-4BB5-9509-D81E0856D57A}" type="datetimeFigureOut">
               <a:rPr lang="ru-RU" smtClean="0"/>
-              <a:t>08.06.2021</a:t>
+              <a:t>11.06.2021</a:t>
             </a:fld>
             <a:endParaRPr lang="ru-RU"/>
           </a:p>
@@ -2143,7 +2143,7 @@
           <a:p>
             <a:fld id="{CF3D5562-7FFD-4BB5-9509-D81E0856D57A}" type="datetimeFigureOut">
               <a:rPr lang="ru-RU" smtClean="0"/>
-              <a:t>08.06.2021</a:t>
+              <a:t>11.06.2021</a:t>
             </a:fld>
             <a:endParaRPr lang="ru-RU"/>
           </a:p>
@@ -2539,7 +2539,7 @@
           <a:p>
             <a:fld id="{CF3D5562-7FFD-4BB5-9509-D81E0856D57A}" type="datetimeFigureOut">
               <a:rPr lang="ru-RU" smtClean="0"/>
-              <a:t>08.06.2021</a:t>
+              <a:t>11.06.2021</a:t>
             </a:fld>
             <a:endParaRPr lang="ru-RU"/>
           </a:p>
@@ -2756,7 +2756,7 @@
           <a:p>
             <a:fld id="{CF3D5562-7FFD-4BB5-9509-D81E0856D57A}" type="datetimeFigureOut">
               <a:rPr lang="ru-RU" smtClean="0"/>
-              <a:t>08.06.2021</a:t>
+              <a:t>11.06.2021</a:t>
             </a:fld>
             <a:endParaRPr lang="ru-RU"/>
           </a:p>
@@ -5776,7 +5776,7 @@
         <p:spPr>
           <a:xfrm>
             <a:off x="703499" y="2019300"/>
-            <a:ext cx="3430352" cy="4004310"/>
+            <a:ext cx="4741254" cy="4004310"/>
           </a:xfrm>
         </p:spPr>
         <p:txBody>
@@ -5791,14 +5791,14 @@
               </a:lnSpc>
             </a:pPr>
             <a:r>
-              <a:rPr lang="ru-RU" sz="1600" dirty="0" smtClean="0"/>
-              <a:t>Препроцессор </a:t>
-            </a:r>
-            <a:r>
-              <a:rPr lang="en-US" sz="1600" dirty="0" smtClean="0"/>
+              <a:rPr lang="ru-RU" sz="1800" dirty="0" smtClean="0"/>
+              <a:t>Метаязык </a:t>
+            </a:r>
+            <a:r>
+              <a:rPr lang="en-US" sz="1800" dirty="0" smtClean="0"/>
               <a:t>SASS</a:t>
             </a:r>
-            <a:endParaRPr lang="ru-RU" sz="1600" dirty="0" smtClean="0"/>
+            <a:endParaRPr lang="ru-RU" sz="1800" dirty="0" smtClean="0"/>
           </a:p>
           <a:p>
             <a:pPr lvl="0">
@@ -5807,14 +5807,14 @@
               </a:lnSpc>
             </a:pPr>
             <a:r>
-              <a:rPr lang="ru-RU" sz="1600" dirty="0" smtClean="0"/>
+              <a:rPr lang="ru-RU" sz="1800" dirty="0" smtClean="0"/>
               <a:t>Язык программирования </a:t>
             </a:r>
             <a:r>
-              <a:rPr lang="en-US" sz="1600" dirty="0" smtClean="0"/>
+              <a:rPr lang="en-US" sz="1800" dirty="0" smtClean="0"/>
               <a:t>PHP 7.0</a:t>
             </a:r>
-            <a:endParaRPr lang="ru-RU" sz="1600" dirty="0" smtClean="0"/>
+            <a:endParaRPr lang="ru-RU" sz="1800" dirty="0" smtClean="0"/>
           </a:p>
           <a:p>
             <a:pPr lvl="0">
@@ -5823,14 +5823,14 @@
               </a:lnSpc>
             </a:pPr>
             <a:r>
-              <a:rPr lang="ru-RU" sz="1600" dirty="0" smtClean="0"/>
+              <a:rPr lang="ru-RU" sz="1800" dirty="0" smtClean="0"/>
               <a:t>Язык программирования </a:t>
             </a:r>
             <a:r>
-              <a:rPr lang="en-US" sz="1600" dirty="0" smtClean="0"/>
+              <a:rPr lang="en-US" sz="1800" dirty="0" smtClean="0"/>
               <a:t>JavaScript</a:t>
             </a:r>
-            <a:endParaRPr lang="ru-RU" sz="1600" dirty="0" smtClean="0"/>
+            <a:endParaRPr lang="ru-RU" sz="1800" dirty="0" smtClean="0"/>
           </a:p>
           <a:p>
             <a:pPr lvl="0">
@@ -5839,14 +5839,14 @@
               </a:lnSpc>
             </a:pPr>
             <a:r>
-              <a:rPr lang="ru-RU" sz="1600" dirty="0" smtClean="0"/>
+              <a:rPr lang="ru-RU" sz="1800" dirty="0" smtClean="0"/>
               <a:t>СУРБД </a:t>
             </a:r>
             <a:r>
-              <a:rPr lang="en-US" sz="1600" dirty="0" smtClean="0"/>
+              <a:rPr lang="en-US" sz="1800" dirty="0" smtClean="0"/>
               <a:t>MySQL 5.7</a:t>
             </a:r>
-            <a:endParaRPr lang="ru-RU" sz="1600" dirty="0" smtClean="0"/>
+            <a:endParaRPr lang="ru-RU" sz="1800" dirty="0" smtClean="0"/>
           </a:p>
           <a:p>
             <a:pPr lvl="0">
@@ -5855,14 +5855,14 @@
               </a:lnSpc>
             </a:pPr>
             <a:r>
-              <a:rPr lang="ru-RU" sz="1600" dirty="0" smtClean="0"/>
+              <a:rPr lang="ru-RU" sz="1800" dirty="0" smtClean="0"/>
               <a:t>Веб-интерфейс для администрирования БД </a:t>
             </a:r>
             <a:r>
-              <a:rPr lang="en-US" sz="1600" dirty="0" err="1" smtClean="0"/>
+              <a:rPr lang="en-US" sz="1800" dirty="0" err="1" smtClean="0"/>
               <a:t>PhpMyAdmin</a:t>
             </a:r>
-            <a:endParaRPr lang="ru-RU" sz="1600" dirty="0" smtClean="0"/>
+            <a:endParaRPr lang="ru-RU" sz="1800" dirty="0" smtClean="0"/>
           </a:p>
           <a:p>
             <a:pPr lvl="0">
@@ -5871,26 +5871,26 @@
               </a:lnSpc>
             </a:pPr>
             <a:r>
-              <a:rPr lang="ru-RU" sz="1600" dirty="0" smtClean="0"/>
+              <a:rPr lang="ru-RU" sz="1800" dirty="0" smtClean="0"/>
               <a:t>Программный комплекс </a:t>
             </a:r>
             <a:r>
-              <a:rPr lang="en-US" sz="1600" dirty="0" err="1" smtClean="0"/>
+              <a:rPr lang="en-US" sz="1800" dirty="0" err="1" smtClean="0"/>
               <a:t>OpenServer</a:t>
             </a:r>
             <a:r>
-              <a:rPr lang="ru-RU" sz="1600" dirty="0" smtClean="0"/>
+              <a:rPr lang="ru-RU" sz="1800" dirty="0" smtClean="0"/>
               <a:t>(сервер </a:t>
             </a:r>
             <a:r>
-              <a:rPr lang="en-US" sz="1600" dirty="0" smtClean="0"/>
+              <a:rPr lang="en-US" sz="1800" dirty="0" smtClean="0"/>
               <a:t>Apache</a:t>
             </a:r>
             <a:r>
-              <a:rPr lang="ru-RU" sz="1600" dirty="0" smtClean="0"/>
+              <a:rPr lang="ru-RU" sz="1800" dirty="0" smtClean="0"/>
               <a:t>)</a:t>
             </a:r>
-            <a:endParaRPr lang="en-US" sz="1600" dirty="0" smtClean="0"/>
+            <a:endParaRPr lang="en-US" sz="1800" dirty="0" smtClean="0"/>
           </a:p>
           <a:p>
             <a:pPr lvl="0">
@@ -5899,14 +5899,14 @@
               </a:lnSpc>
             </a:pPr>
             <a:r>
-              <a:rPr lang="ru-RU" sz="1600" dirty="0" smtClean="0"/>
+              <a:rPr lang="ru-RU" sz="1800" dirty="0" smtClean="0"/>
               <a:t>Среда разработки </a:t>
             </a:r>
             <a:r>
-              <a:rPr lang="en-US" sz="1600" dirty="0" smtClean="0"/>
+              <a:rPr lang="en-US" sz="1800" dirty="0" smtClean="0"/>
               <a:t>Visual Studio Code</a:t>
             </a:r>
-            <a:endParaRPr lang="ru-RU" sz="1600" dirty="0"/>
+            <a:endParaRPr lang="ru-RU" sz="1800" dirty="0"/>
           </a:p>
         </p:txBody>
       </p:sp>
@@ -5932,8 +5932,8 @@
         </p:blipFill>
         <p:spPr>
           <a:xfrm>
-            <a:off x="7075715" y="1446893"/>
-            <a:ext cx="1512296" cy="1512296"/>
+            <a:off x="8503462" y="1446893"/>
+            <a:ext cx="1166118" cy="1166118"/>
           </a:xfrm>
           <a:prstGeom prst="rect">
             <a:avLst/>
@@ -5962,8 +5962,8 @@
         </p:blipFill>
         <p:spPr>
           <a:xfrm>
-            <a:off x="9703023" y="1446892"/>
-            <a:ext cx="1535443" cy="1535443"/>
+            <a:off x="10489087" y="1446893"/>
+            <a:ext cx="1183966" cy="1183966"/>
           </a:xfrm>
           <a:prstGeom prst="rect">
             <a:avLst/>
@@ -5992,8 +5992,8 @@
         </p:blipFill>
         <p:spPr>
           <a:xfrm>
-            <a:off x="7075714" y="3580540"/>
-            <a:ext cx="1512296" cy="1512296"/>
+            <a:off x="8503461" y="3580540"/>
+            <a:ext cx="1166118" cy="1166118"/>
           </a:xfrm>
           <a:prstGeom prst="rect">
             <a:avLst/>
@@ -6022,8 +6022,8 @@
         </p:blipFill>
         <p:spPr>
           <a:xfrm>
-            <a:off x="9703021" y="3580539"/>
-            <a:ext cx="1535443" cy="1535443"/>
+            <a:off x="10489085" y="3580540"/>
+            <a:ext cx="1183966" cy="1183966"/>
           </a:xfrm>
           <a:prstGeom prst="rect">
             <a:avLst/>
@@ -6051,8 +6051,8 @@
         </p:blipFill>
         <p:spPr bwMode="auto">
           <a:xfrm>
-            <a:off x="4622937" y="1412005"/>
-            <a:ext cx="1679684" cy="1547184"/>
+            <a:off x="6388765" y="1412005"/>
+            <a:ext cx="1295189" cy="1193019"/>
           </a:xfrm>
           <a:prstGeom prst="rect">
             <a:avLst/>
@@ -6090,8 +6090,8 @@
         </p:blipFill>
         <p:spPr bwMode="auto">
           <a:xfrm>
-            <a:off x="4521622" y="3399770"/>
-            <a:ext cx="1780999" cy="1815581"/>
+            <a:off x="6287451" y="3399771"/>
+            <a:ext cx="1373312" cy="1399978"/>
           </a:xfrm>
           <a:prstGeom prst="ellipse">
             <a:avLst/>
@@ -7022,7 +7022,7 @@
         </p:spPr>
         <p:txBody>
           <a:bodyPr vert="horz" lIns="91440" tIns="45720" rIns="91440" bIns="45720" rtlCol="0" anchor="t">
-            <a:normAutofit/>
+            <a:normAutofit lnSpcReduction="10000"/>
           </a:bodyPr>
           <a:lstStyle>
             <a:lvl1pPr marL="285750" indent="-285750" algn="l" defTabSz="457200" rtl="0" eaLnBrk="1" latinLnBrk="0" hangingPunct="1">
@@ -7274,7 +7274,7 @@
                   <a:schemeClr val="tx1"/>
                 </a:solidFill>
               </a:rPr>
-              <a:t>Модульная </a:t>
+              <a:t>А также модульная </a:t>
             </a:r>
             <a:r>
               <a:rPr lang="ru-RU" dirty="0" err="1" smtClean="0">
@@ -7290,8 +7290,21 @@
                   <a:schemeClr val="tx1"/>
                 </a:solidFill>
               </a:rPr>
-              <a:t> страницы</a:t>
-            </a:r>
+              <a:t> </a:t>
+            </a:r>
+            <a:r>
+              <a:rPr lang="ru-RU" dirty="0" smtClean="0">
+                <a:solidFill>
+                  <a:schemeClr val="tx1"/>
+                </a:solidFill>
+              </a:rPr>
+              <a:t>страницы.</a:t>
+            </a:r>
+            <a:endParaRPr lang="ru-RU" dirty="0" smtClean="0">
+              <a:solidFill>
+                <a:schemeClr val="tx1"/>
+              </a:solidFill>
+            </a:endParaRPr>
           </a:p>
         </p:txBody>
       </p:sp>
